--- a/Presentació/Presentacióv2.pptx
+++ b/Presentació/Presentacióv2.pptx
@@ -19533,8 +19533,8 @@
         </p:blipFill>
         <p:spPr bwMode="auto">
           <a:xfrm>
-            <a:off x="4788024" y="2428304"/>
-            <a:ext cx="2686050" cy="2924175"/>
+            <a:off x="5436096" y="3133829"/>
+            <a:ext cx="2037978" cy="2218650"/>
           </a:xfrm>
           <a:prstGeom prst="rect">
             <a:avLst/>
@@ -21441,1843 +21441,6 @@
           </a:p>
         </p:txBody>
       </p:sp>
-      <p:grpSp>
-        <p:nvGrpSpPr>
-          <p:cNvPr id="4" name="77 Grupo"/>
-          <p:cNvGrpSpPr/>
-          <p:nvPr/>
-        </p:nvGrpSpPr>
-        <p:grpSpPr>
-          <a:xfrm>
-            <a:off x="572367" y="2105342"/>
-            <a:ext cx="2923540" cy="2886075"/>
-            <a:chOff x="800101" y="800100"/>
-            <a:chExt cx="2924174" cy="2886075"/>
-          </a:xfrm>
-        </p:grpSpPr>
-        <p:sp>
-          <p:nvSpPr>
-            <p:cNvPr id="5" name="78 Rectángulo"/>
-            <p:cNvSpPr/>
-            <p:nvPr/>
-          </p:nvSpPr>
-          <p:spPr>
-            <a:xfrm>
-              <a:off x="1819275" y="1752600"/>
-              <a:ext cx="895350" cy="923925"/>
-            </a:xfrm>
-            <a:prstGeom prst="rect">
-              <a:avLst/>
-            </a:prstGeom>
-            <a:solidFill>
-              <a:schemeClr val="bg1">
-                <a:lumMod val="85000"/>
-                <a:alpha val="73000"/>
-              </a:schemeClr>
-            </a:solidFill>
-            <a:ln>
-              <a:noFill/>
-            </a:ln>
-          </p:spPr>
-          <p:style>
-            <a:lnRef idx="2">
-              <a:schemeClr val="accent1">
-                <a:shade val="50000"/>
-              </a:schemeClr>
-            </a:lnRef>
-            <a:fillRef idx="1">
-              <a:schemeClr val="accent1"/>
-            </a:fillRef>
-            <a:effectRef idx="0">
-              <a:schemeClr val="accent1"/>
-            </a:effectRef>
-            <a:fontRef idx="minor">
-              <a:schemeClr val="lt1"/>
-            </a:fontRef>
-          </p:style>
-          <p:txBody>
-            <a:bodyPr rot="0" spcFirstLastPara="0" vert="horz" wrap="square" lIns="91440" tIns="45720" rIns="91440" bIns="45720" numCol="1" spcCol="0" rtlCol="0" fromWordArt="0" anchor="ctr" anchorCtr="0" forceAA="0" compatLnSpc="1">
-              <a:prstTxWarp prst="textNoShape">
-                <a:avLst/>
-              </a:prstTxWarp>
-              <a:noAutofit/>
-            </a:bodyPr>
-            <a:lstStyle/>
-            <a:p>
-              <a:endParaRPr lang="es-ES"/>
-            </a:p>
-          </p:txBody>
-        </p:sp>
-        <p:grpSp>
-          <p:nvGrpSpPr>
-            <p:cNvPr id="6" name="79 Grupo"/>
-            <p:cNvGrpSpPr/>
-            <p:nvPr/>
-          </p:nvGrpSpPr>
-          <p:grpSpPr>
-            <a:xfrm>
-              <a:off x="800101" y="800100"/>
-              <a:ext cx="2924174" cy="2886075"/>
-              <a:chOff x="800101" y="800100"/>
-              <a:chExt cx="2924174" cy="2886075"/>
-            </a:xfrm>
-          </p:grpSpPr>
-          <p:grpSp>
-            <p:nvGrpSpPr>
-              <p:cNvPr id="15" name="80 Grupo"/>
-              <p:cNvGrpSpPr/>
-              <p:nvPr/>
-            </p:nvGrpSpPr>
-            <p:grpSpPr>
-              <a:xfrm>
-                <a:off x="800101" y="800100"/>
-                <a:ext cx="2924174" cy="2886075"/>
-                <a:chOff x="800101" y="800100"/>
-                <a:chExt cx="2924174" cy="2886075"/>
-              </a:xfrm>
-            </p:grpSpPr>
-            <p:sp>
-              <p:nvSpPr>
-                <p:cNvPr id="20" name="81 Elipse"/>
-                <p:cNvSpPr/>
-                <p:nvPr/>
-              </p:nvSpPr>
-              <p:spPr>
-                <a:xfrm>
-                  <a:off x="3143250" y="2171700"/>
-                  <a:ext cx="76200" cy="76200"/>
-                </a:xfrm>
-                <a:prstGeom prst="ellipse">
-                  <a:avLst/>
-                </a:prstGeom>
-              </p:spPr>
-              <p:style>
-                <a:lnRef idx="2">
-                  <a:schemeClr val="dk1">
-                    <a:shade val="50000"/>
-                  </a:schemeClr>
-                </a:lnRef>
-                <a:fillRef idx="1">
-                  <a:schemeClr val="dk1"/>
-                </a:fillRef>
-                <a:effectRef idx="0">
-                  <a:schemeClr val="dk1"/>
-                </a:effectRef>
-                <a:fontRef idx="minor">
-                  <a:schemeClr val="lt1"/>
-                </a:fontRef>
-              </p:style>
-              <p:txBody>
-                <a:bodyPr rot="0" spcFirstLastPara="0" vert="horz" wrap="square" lIns="91440" tIns="45720" rIns="91440" bIns="45720" numCol="1" spcCol="0" rtlCol="0" fromWordArt="0" anchor="ctr" anchorCtr="0" forceAA="0" compatLnSpc="1">
-                  <a:prstTxWarp prst="textNoShape">
-                    <a:avLst/>
-                  </a:prstTxWarp>
-                  <a:noAutofit/>
-                </a:bodyPr>
-                <a:lstStyle/>
-                <a:p>
-                  <a:endParaRPr lang="es-ES"/>
-                </a:p>
-              </p:txBody>
-            </p:sp>
-            <p:grpSp>
-              <p:nvGrpSpPr>
-                <p:cNvPr id="21" name="82 Grupo"/>
-                <p:cNvGrpSpPr/>
-                <p:nvPr/>
-              </p:nvGrpSpPr>
-              <p:grpSpPr>
-                <a:xfrm>
-                  <a:off x="800101" y="800100"/>
-                  <a:ext cx="2924174" cy="2886075"/>
-                  <a:chOff x="800101" y="800100"/>
-                  <a:chExt cx="2924174" cy="2886075"/>
-                </a:xfrm>
-              </p:grpSpPr>
-              <p:sp>
-                <p:nvSpPr>
-                  <p:cNvPr id="22" name="83 Elipse"/>
-                  <p:cNvSpPr/>
-                  <p:nvPr/>
-                </p:nvSpPr>
-                <p:spPr>
-                  <a:xfrm>
-                    <a:off x="1333500" y="2171700"/>
-                    <a:ext cx="76200" cy="76200"/>
-                  </a:xfrm>
-                  <a:prstGeom prst="ellipse">
-                    <a:avLst/>
-                  </a:prstGeom>
-                </p:spPr>
-                <p:style>
-                  <a:lnRef idx="2">
-                    <a:schemeClr val="dk1">
-                      <a:shade val="50000"/>
-                    </a:schemeClr>
-                  </a:lnRef>
-                  <a:fillRef idx="1">
-                    <a:schemeClr val="dk1"/>
-                  </a:fillRef>
-                  <a:effectRef idx="0">
-                    <a:schemeClr val="dk1"/>
-                  </a:effectRef>
-                  <a:fontRef idx="minor">
-                    <a:schemeClr val="lt1"/>
-                  </a:fontRef>
-                </p:style>
-                <p:txBody>
-                  <a:bodyPr rot="0" spcFirstLastPara="0" vert="horz" wrap="square" lIns="91440" tIns="45720" rIns="91440" bIns="45720" numCol="1" spcCol="0" rtlCol="0" fromWordArt="0" anchor="ctr" anchorCtr="0" forceAA="0" compatLnSpc="1">
-                    <a:prstTxWarp prst="textNoShape">
-                      <a:avLst/>
-                    </a:prstTxWarp>
-                    <a:noAutofit/>
-                  </a:bodyPr>
-                  <a:lstStyle/>
-                  <a:p>
-                    <a:endParaRPr lang="es-ES"/>
-                  </a:p>
-                </p:txBody>
-              </p:sp>
-              <p:grpSp>
-                <p:nvGrpSpPr>
-                  <p:cNvPr id="23" name="84 Grupo"/>
-                  <p:cNvGrpSpPr/>
-                  <p:nvPr/>
-                </p:nvGrpSpPr>
-                <p:grpSpPr>
-                  <a:xfrm>
-                    <a:off x="800101" y="800100"/>
-                    <a:ext cx="2924174" cy="2886075"/>
-                    <a:chOff x="800101" y="800100"/>
-                    <a:chExt cx="2924174" cy="2886075"/>
-                  </a:xfrm>
-                </p:grpSpPr>
-                <p:grpSp>
-                  <p:nvGrpSpPr>
-                    <p:cNvPr id="24" name="85 Grupo"/>
-                    <p:cNvGrpSpPr/>
-                    <p:nvPr/>
-                  </p:nvGrpSpPr>
-                  <p:grpSpPr>
-                    <a:xfrm>
-                      <a:off x="800101" y="800100"/>
-                      <a:ext cx="2924174" cy="2886075"/>
-                      <a:chOff x="800101" y="800100"/>
-                      <a:chExt cx="2924174" cy="2886075"/>
-                    </a:xfrm>
-                  </p:grpSpPr>
-                  <p:cxnSp>
-                    <p:nvCxnSpPr>
-                      <p:cNvPr id="32" name="89 Conector recto"/>
-                      <p:cNvCxnSpPr/>
-                      <p:nvPr/>
-                    </p:nvCxnSpPr>
-                    <p:spPr>
-                      <a:xfrm>
-                        <a:off x="895350" y="800100"/>
-                        <a:ext cx="0" cy="2886075"/>
-                      </a:xfrm>
-                      <a:prstGeom prst="line">
-                        <a:avLst/>
-                      </a:prstGeom>
-                    </p:spPr>
-                    <p:style>
-                      <a:lnRef idx="1">
-                        <a:schemeClr val="dk1"/>
-                      </a:lnRef>
-                      <a:fillRef idx="0">
-                        <a:schemeClr val="dk1"/>
-                      </a:fillRef>
-                      <a:effectRef idx="0">
-                        <a:schemeClr val="dk1"/>
-                      </a:effectRef>
-                      <a:fontRef idx="minor">
-                        <a:schemeClr val="tx1"/>
-                      </a:fontRef>
-                    </p:style>
-                  </p:cxnSp>
-                  <p:cxnSp>
-                    <p:nvCxnSpPr>
-                      <p:cNvPr id="33" name="90 Conector recto"/>
-                      <p:cNvCxnSpPr/>
-                      <p:nvPr/>
-                    </p:nvCxnSpPr>
-                    <p:spPr>
-                      <a:xfrm>
-                        <a:off x="1819275" y="800100"/>
-                        <a:ext cx="0" cy="2886075"/>
-                      </a:xfrm>
-                      <a:prstGeom prst="line">
-                        <a:avLst/>
-                      </a:prstGeom>
-                    </p:spPr>
-                    <p:style>
-                      <a:lnRef idx="1">
-                        <a:schemeClr val="dk1"/>
-                      </a:lnRef>
-                      <a:fillRef idx="0">
-                        <a:schemeClr val="dk1"/>
-                      </a:fillRef>
-                      <a:effectRef idx="0">
-                        <a:schemeClr val="dk1"/>
-                      </a:effectRef>
-                      <a:fontRef idx="minor">
-                        <a:schemeClr val="tx1"/>
-                      </a:fontRef>
-                    </p:style>
-                  </p:cxnSp>
-                  <p:cxnSp>
-                    <p:nvCxnSpPr>
-                      <p:cNvPr id="34" name="91 Conector recto"/>
-                      <p:cNvCxnSpPr/>
-                      <p:nvPr/>
-                    </p:nvCxnSpPr>
-                    <p:spPr>
-                      <a:xfrm>
-                        <a:off x="2714625" y="800100"/>
-                        <a:ext cx="0" cy="2886075"/>
-                      </a:xfrm>
-                      <a:prstGeom prst="line">
-                        <a:avLst/>
-                      </a:prstGeom>
-                    </p:spPr>
-                    <p:style>
-                      <a:lnRef idx="1">
-                        <a:schemeClr val="dk1"/>
-                      </a:lnRef>
-                      <a:fillRef idx="0">
-                        <a:schemeClr val="dk1"/>
-                      </a:fillRef>
-                      <a:effectRef idx="0">
-                        <a:schemeClr val="dk1"/>
-                      </a:effectRef>
-                      <a:fontRef idx="minor">
-                        <a:schemeClr val="tx1"/>
-                      </a:fontRef>
-                    </p:style>
-                  </p:cxnSp>
-                  <p:cxnSp>
-                    <p:nvCxnSpPr>
-                      <p:cNvPr id="35" name="92 Conector recto"/>
-                      <p:cNvCxnSpPr/>
-                      <p:nvPr/>
-                    </p:nvCxnSpPr>
-                    <p:spPr>
-                      <a:xfrm>
-                        <a:off x="3609975" y="800100"/>
-                        <a:ext cx="0" cy="2886075"/>
-                      </a:xfrm>
-                      <a:prstGeom prst="line">
-                        <a:avLst/>
-                      </a:prstGeom>
-                    </p:spPr>
-                    <p:style>
-                      <a:lnRef idx="1">
-                        <a:schemeClr val="dk1"/>
-                      </a:lnRef>
-                      <a:fillRef idx="0">
-                        <a:schemeClr val="dk1"/>
-                      </a:fillRef>
-                      <a:effectRef idx="0">
-                        <a:schemeClr val="dk1"/>
-                      </a:effectRef>
-                      <a:fontRef idx="minor">
-                        <a:schemeClr val="tx1"/>
-                      </a:fontRef>
-                    </p:style>
-                  </p:cxnSp>
-                  <p:cxnSp>
-                    <p:nvCxnSpPr>
-                      <p:cNvPr id="36" name="94 Conector recto"/>
-                      <p:cNvCxnSpPr/>
-                      <p:nvPr/>
-                    </p:nvCxnSpPr>
-                    <p:spPr>
-                      <a:xfrm flipH="1">
-                        <a:off x="800101" y="885825"/>
-                        <a:ext cx="2924174" cy="0"/>
-                      </a:xfrm>
-                      <a:prstGeom prst="line">
-                        <a:avLst/>
-                      </a:prstGeom>
-                    </p:spPr>
-                    <p:style>
-                      <a:lnRef idx="1">
-                        <a:schemeClr val="dk1"/>
-                      </a:lnRef>
-                      <a:fillRef idx="0">
-                        <a:schemeClr val="dk1"/>
-                      </a:fillRef>
-                      <a:effectRef idx="0">
-                        <a:schemeClr val="dk1"/>
-                      </a:effectRef>
-                      <a:fontRef idx="minor">
-                        <a:schemeClr val="tx1"/>
-                      </a:fontRef>
-                    </p:style>
-                  </p:cxnSp>
-                  <p:cxnSp>
-                    <p:nvCxnSpPr>
-                      <p:cNvPr id="37" name="95 Conector recto"/>
-                      <p:cNvCxnSpPr/>
-                      <p:nvPr/>
-                    </p:nvCxnSpPr>
-                    <p:spPr>
-                      <a:xfrm flipH="1">
-                        <a:off x="800101" y="1752600"/>
-                        <a:ext cx="2924173" cy="0"/>
-                      </a:xfrm>
-                      <a:prstGeom prst="line">
-                        <a:avLst/>
-                      </a:prstGeom>
-                    </p:spPr>
-                    <p:style>
-                      <a:lnRef idx="1">
-                        <a:schemeClr val="dk1"/>
-                      </a:lnRef>
-                      <a:fillRef idx="0">
-                        <a:schemeClr val="dk1"/>
-                      </a:fillRef>
-                      <a:effectRef idx="0">
-                        <a:schemeClr val="dk1"/>
-                      </a:effectRef>
-                      <a:fontRef idx="minor">
-                        <a:schemeClr val="tx1"/>
-                      </a:fontRef>
-                    </p:style>
-                  </p:cxnSp>
-                  <p:cxnSp>
-                    <p:nvCxnSpPr>
-                      <p:cNvPr id="38" name="96 Conector recto"/>
-                      <p:cNvCxnSpPr/>
-                      <p:nvPr/>
-                    </p:nvCxnSpPr>
-                    <p:spPr>
-                      <a:xfrm flipH="1">
-                        <a:off x="800101" y="2676525"/>
-                        <a:ext cx="2924172" cy="0"/>
-                      </a:xfrm>
-                      <a:prstGeom prst="line">
-                        <a:avLst/>
-                      </a:prstGeom>
-                    </p:spPr>
-                    <p:style>
-                      <a:lnRef idx="1">
-                        <a:schemeClr val="dk1"/>
-                      </a:lnRef>
-                      <a:fillRef idx="0">
-                        <a:schemeClr val="dk1"/>
-                      </a:fillRef>
-                      <a:effectRef idx="0">
-                        <a:schemeClr val="dk1"/>
-                      </a:effectRef>
-                      <a:fontRef idx="minor">
-                        <a:schemeClr val="tx1"/>
-                      </a:fontRef>
-                    </p:style>
-                  </p:cxnSp>
-                  <p:cxnSp>
-                    <p:nvCxnSpPr>
-                      <p:cNvPr id="39" name="97 Conector recto"/>
-                      <p:cNvCxnSpPr/>
-                      <p:nvPr/>
-                    </p:nvCxnSpPr>
-                    <p:spPr>
-                      <a:xfrm flipH="1">
-                        <a:off x="800101" y="3581400"/>
-                        <a:ext cx="2923539" cy="0"/>
-                      </a:xfrm>
-                      <a:prstGeom prst="line">
-                        <a:avLst/>
-                      </a:prstGeom>
-                    </p:spPr>
-                    <p:style>
-                      <a:lnRef idx="1">
-                        <a:schemeClr val="dk1"/>
-                      </a:lnRef>
-                      <a:fillRef idx="0">
-                        <a:schemeClr val="dk1"/>
-                      </a:fillRef>
-                      <a:effectRef idx="0">
-                        <a:schemeClr val="dk1"/>
-                      </a:effectRef>
-                      <a:fontRef idx="minor">
-                        <a:schemeClr val="tx1"/>
-                      </a:fontRef>
-                    </p:style>
-                  </p:cxnSp>
-                </p:grpSp>
-                <p:sp>
-                  <p:nvSpPr>
-                    <p:cNvPr id="25" name="98 Elipse"/>
-                    <p:cNvSpPr/>
-                    <p:nvPr/>
-                  </p:nvSpPr>
-                  <p:spPr>
-                    <a:xfrm>
-                      <a:off x="1333500" y="1285875"/>
-                      <a:ext cx="76200" cy="76200"/>
-                    </a:xfrm>
-                    <a:prstGeom prst="ellipse">
-                      <a:avLst/>
-                    </a:prstGeom>
-                  </p:spPr>
-                  <p:style>
-                    <a:lnRef idx="2">
-                      <a:schemeClr val="dk1">
-                        <a:shade val="50000"/>
-                      </a:schemeClr>
-                    </a:lnRef>
-                    <a:fillRef idx="1">
-                      <a:schemeClr val="dk1"/>
-                    </a:fillRef>
-                    <a:effectRef idx="0">
-                      <a:schemeClr val="dk1"/>
-                    </a:effectRef>
-                    <a:fontRef idx="minor">
-                      <a:schemeClr val="lt1"/>
-                    </a:fontRef>
-                  </p:style>
-                  <p:txBody>
-                    <a:bodyPr rot="0" spcFirstLastPara="0" vert="horz" wrap="square" lIns="91440" tIns="45720" rIns="91440" bIns="45720" numCol="1" spcCol="0" rtlCol="0" fromWordArt="0" anchor="ctr" anchorCtr="0" forceAA="0" compatLnSpc="1">
-                      <a:prstTxWarp prst="textNoShape">
-                        <a:avLst/>
-                      </a:prstTxWarp>
-                      <a:noAutofit/>
-                    </a:bodyPr>
-                    <a:lstStyle/>
-                    <a:p>
-                      <a:endParaRPr lang="es-ES"/>
-                    </a:p>
-                  </p:txBody>
-                </p:sp>
-                <p:sp>
-                  <p:nvSpPr>
-                    <p:cNvPr id="26" name="99 Elipse"/>
-                    <p:cNvSpPr/>
-                    <p:nvPr/>
-                  </p:nvSpPr>
-                  <p:spPr>
-                    <a:xfrm>
-                      <a:off x="2228850" y="1285875"/>
-                      <a:ext cx="76200" cy="76200"/>
-                    </a:xfrm>
-                    <a:prstGeom prst="ellipse">
-                      <a:avLst/>
-                    </a:prstGeom>
-                  </p:spPr>
-                  <p:style>
-                    <a:lnRef idx="2">
-                      <a:schemeClr val="dk1">
-                        <a:shade val="50000"/>
-                      </a:schemeClr>
-                    </a:lnRef>
-                    <a:fillRef idx="1">
-                      <a:schemeClr val="dk1"/>
-                    </a:fillRef>
-                    <a:effectRef idx="0">
-                      <a:schemeClr val="dk1"/>
-                    </a:effectRef>
-                    <a:fontRef idx="minor">
-                      <a:schemeClr val="lt1"/>
-                    </a:fontRef>
-                  </p:style>
-                  <p:txBody>
-                    <a:bodyPr rot="0" spcFirstLastPara="0" vert="horz" wrap="square" lIns="91440" tIns="45720" rIns="91440" bIns="45720" numCol="1" spcCol="0" rtlCol="0" fromWordArt="0" anchor="ctr" anchorCtr="0" forceAA="0" compatLnSpc="1">
-                      <a:prstTxWarp prst="textNoShape">
-                        <a:avLst/>
-                      </a:prstTxWarp>
-                      <a:noAutofit/>
-                    </a:bodyPr>
-                    <a:lstStyle/>
-                    <a:p>
-                      <a:endParaRPr lang="es-ES"/>
-                    </a:p>
-                  </p:txBody>
-                </p:sp>
-                <p:sp>
-                  <p:nvSpPr>
-                    <p:cNvPr id="27" name="101 Elipse"/>
-                    <p:cNvSpPr/>
-                    <p:nvPr/>
-                  </p:nvSpPr>
-                  <p:spPr>
-                    <a:xfrm>
-                      <a:off x="3143250" y="1285875"/>
-                      <a:ext cx="76200" cy="76200"/>
-                    </a:xfrm>
-                    <a:prstGeom prst="ellipse">
-                      <a:avLst/>
-                    </a:prstGeom>
-                  </p:spPr>
-                  <p:style>
-                    <a:lnRef idx="2">
-                      <a:schemeClr val="dk1">
-                        <a:shade val="50000"/>
-                      </a:schemeClr>
-                    </a:lnRef>
-                    <a:fillRef idx="1">
-                      <a:schemeClr val="dk1"/>
-                    </a:fillRef>
-                    <a:effectRef idx="0">
-                      <a:schemeClr val="dk1"/>
-                    </a:effectRef>
-                    <a:fontRef idx="minor">
-                      <a:schemeClr val="lt1"/>
-                    </a:fontRef>
-                  </p:style>
-                  <p:txBody>
-                    <a:bodyPr rot="0" spcFirstLastPara="0" vert="horz" wrap="square" lIns="91440" tIns="45720" rIns="91440" bIns="45720" numCol="1" spcCol="0" rtlCol="0" fromWordArt="0" anchor="ctr" anchorCtr="0" forceAA="0" compatLnSpc="1">
-                      <a:prstTxWarp prst="textNoShape">
-                        <a:avLst/>
-                      </a:prstTxWarp>
-                      <a:noAutofit/>
-                    </a:bodyPr>
-                    <a:lstStyle/>
-                    <a:p>
-                      <a:endParaRPr lang="es-ES"/>
-                    </a:p>
-                  </p:txBody>
-                </p:sp>
-                <p:sp>
-                  <p:nvSpPr>
-                    <p:cNvPr id="28" name="109 Elipse"/>
-                    <p:cNvSpPr/>
-                    <p:nvPr/>
-                  </p:nvSpPr>
-                  <p:spPr>
-                    <a:xfrm>
-                      <a:off x="2228850" y="2171700"/>
-                      <a:ext cx="76200" cy="76200"/>
-                    </a:xfrm>
-                    <a:prstGeom prst="ellipse">
-                      <a:avLst/>
-                    </a:prstGeom>
-                  </p:spPr>
-                  <p:style>
-                    <a:lnRef idx="2">
-                      <a:schemeClr val="dk1">
-                        <a:shade val="50000"/>
-                      </a:schemeClr>
-                    </a:lnRef>
-                    <a:fillRef idx="1">
-                      <a:schemeClr val="dk1"/>
-                    </a:fillRef>
-                    <a:effectRef idx="0">
-                      <a:schemeClr val="dk1"/>
-                    </a:effectRef>
-                    <a:fontRef idx="minor">
-                      <a:schemeClr val="lt1"/>
-                    </a:fontRef>
-                  </p:style>
-                  <p:txBody>
-                    <a:bodyPr rot="0" spcFirstLastPara="0" vert="horz" wrap="square" lIns="91440" tIns="45720" rIns="91440" bIns="45720" numCol="1" spcCol="0" rtlCol="0" fromWordArt="0" anchor="ctr" anchorCtr="0" forceAA="0" compatLnSpc="1">
-                      <a:prstTxWarp prst="textNoShape">
-                        <a:avLst/>
-                      </a:prstTxWarp>
-                      <a:noAutofit/>
-                    </a:bodyPr>
-                    <a:lstStyle/>
-                    <a:p>
-                      <a:endParaRPr lang="es-ES"/>
-                    </a:p>
-                  </p:txBody>
-                </p:sp>
-                <p:sp>
-                  <p:nvSpPr>
-                    <p:cNvPr id="29" name="112 Elipse"/>
-                    <p:cNvSpPr/>
-                    <p:nvPr/>
-                  </p:nvSpPr>
-                  <p:spPr>
-                    <a:xfrm>
-                      <a:off x="1333500" y="3076575"/>
-                      <a:ext cx="76200" cy="76200"/>
-                    </a:xfrm>
-                    <a:prstGeom prst="ellipse">
-                      <a:avLst/>
-                    </a:prstGeom>
-                  </p:spPr>
-                  <p:style>
-                    <a:lnRef idx="2">
-                      <a:schemeClr val="dk1">
-                        <a:shade val="50000"/>
-                      </a:schemeClr>
-                    </a:lnRef>
-                    <a:fillRef idx="1">
-                      <a:schemeClr val="dk1"/>
-                    </a:fillRef>
-                    <a:effectRef idx="0">
-                      <a:schemeClr val="dk1"/>
-                    </a:effectRef>
-                    <a:fontRef idx="minor">
-                      <a:schemeClr val="lt1"/>
-                    </a:fontRef>
-                  </p:style>
-                  <p:txBody>
-                    <a:bodyPr rot="0" spcFirstLastPara="0" vert="horz" wrap="square" lIns="91440" tIns="45720" rIns="91440" bIns="45720" numCol="1" spcCol="0" rtlCol="0" fromWordArt="0" anchor="ctr" anchorCtr="0" forceAA="0" compatLnSpc="1">
-                      <a:prstTxWarp prst="textNoShape">
-                        <a:avLst/>
-                      </a:prstTxWarp>
-                      <a:noAutofit/>
-                    </a:bodyPr>
-                    <a:lstStyle/>
-                    <a:p>
-                      <a:endParaRPr lang="es-ES"/>
-                    </a:p>
-                  </p:txBody>
-                </p:sp>
-                <p:sp>
-                  <p:nvSpPr>
-                    <p:cNvPr id="30" name="113 Elipse"/>
-                    <p:cNvSpPr/>
-                    <p:nvPr/>
-                  </p:nvSpPr>
-                  <p:spPr>
-                    <a:xfrm>
-                      <a:off x="2228850" y="3076575"/>
-                      <a:ext cx="76200" cy="76200"/>
-                    </a:xfrm>
-                    <a:prstGeom prst="ellipse">
-                      <a:avLst/>
-                    </a:prstGeom>
-                  </p:spPr>
-                  <p:style>
-                    <a:lnRef idx="2">
-                      <a:schemeClr val="dk1">
-                        <a:shade val="50000"/>
-                      </a:schemeClr>
-                    </a:lnRef>
-                    <a:fillRef idx="1">
-                      <a:schemeClr val="dk1"/>
-                    </a:fillRef>
-                    <a:effectRef idx="0">
-                      <a:schemeClr val="dk1"/>
-                    </a:effectRef>
-                    <a:fontRef idx="minor">
-                      <a:schemeClr val="lt1"/>
-                    </a:fontRef>
-                  </p:style>
-                  <p:txBody>
-                    <a:bodyPr rot="0" spcFirstLastPara="0" vert="horz" wrap="square" lIns="91440" tIns="45720" rIns="91440" bIns="45720" numCol="1" spcCol="0" rtlCol="0" fromWordArt="0" anchor="ctr" anchorCtr="0" forceAA="0" compatLnSpc="1">
-                      <a:prstTxWarp prst="textNoShape">
-                        <a:avLst/>
-                      </a:prstTxWarp>
-                      <a:noAutofit/>
-                    </a:bodyPr>
-                    <a:lstStyle/>
-                    <a:p>
-                      <a:endParaRPr lang="es-ES"/>
-                    </a:p>
-                  </p:txBody>
-                </p:sp>
-                <p:sp>
-                  <p:nvSpPr>
-                    <p:cNvPr id="31" name="114 Elipse"/>
-                    <p:cNvSpPr/>
-                    <p:nvPr/>
-                  </p:nvSpPr>
-                  <p:spPr>
-                    <a:xfrm>
-                      <a:off x="3143250" y="3076575"/>
-                      <a:ext cx="76200" cy="76200"/>
-                    </a:xfrm>
-                    <a:prstGeom prst="ellipse">
-                      <a:avLst/>
-                    </a:prstGeom>
-                  </p:spPr>
-                  <p:style>
-                    <a:lnRef idx="2">
-                      <a:schemeClr val="dk1">
-                        <a:shade val="50000"/>
-                      </a:schemeClr>
-                    </a:lnRef>
-                    <a:fillRef idx="1">
-                      <a:schemeClr val="dk1"/>
-                    </a:fillRef>
-                    <a:effectRef idx="0">
-                      <a:schemeClr val="dk1"/>
-                    </a:effectRef>
-                    <a:fontRef idx="minor">
-                      <a:schemeClr val="lt1"/>
-                    </a:fontRef>
-                  </p:style>
-                  <p:txBody>
-                    <a:bodyPr rot="0" spcFirstLastPara="0" vert="horz" wrap="square" lIns="91440" tIns="45720" rIns="91440" bIns="45720" numCol="1" spcCol="0" rtlCol="0" fromWordArt="0" anchor="ctr" anchorCtr="0" forceAA="0" compatLnSpc="1">
-                      <a:prstTxWarp prst="textNoShape">
-                        <a:avLst/>
-                      </a:prstTxWarp>
-                      <a:noAutofit/>
-                    </a:bodyPr>
-                    <a:lstStyle/>
-                    <a:p>
-                      <a:endParaRPr lang="es-ES"/>
-                    </a:p>
-                  </p:txBody>
-                </p:sp>
-              </p:grpSp>
-            </p:grpSp>
-          </p:grpSp>
-          <p:sp>
-            <p:nvSpPr>
-              <p:cNvPr id="16" name="121 Cuadro de texto"/>
-              <p:cNvSpPr txBox="1"/>
-              <p:nvPr/>
-            </p:nvSpPr>
-            <p:spPr>
-              <a:xfrm>
-                <a:off x="2133600" y="1819275"/>
-                <a:ext cx="457200" cy="352425"/>
-              </a:xfrm>
-              <a:prstGeom prst="rect">
-                <a:avLst/>
-              </a:prstGeom>
-              <a:noFill/>
-              <a:ln w="6350">
-                <a:noFill/>
-              </a:ln>
-              <a:effectLst/>
-            </p:spPr>
-            <p:style>
-              <a:lnRef idx="0">
-                <a:schemeClr val="accent1"/>
-              </a:lnRef>
-              <a:fillRef idx="0">
-                <a:schemeClr val="accent1"/>
-              </a:fillRef>
-              <a:effectRef idx="0">
-                <a:schemeClr val="accent1"/>
-              </a:effectRef>
-              <a:fontRef idx="minor">
-                <a:schemeClr val="dk1"/>
-              </a:fontRef>
-            </p:style>
-            <p:txBody>
-              <a:bodyPr rot="0" spcFirstLastPara="0" vert="horz" wrap="square" lIns="91440" tIns="45720" rIns="91440" bIns="45720" numCol="1" spcCol="0" rtlCol="0" fromWordArt="0" anchor="t" anchorCtr="0" forceAA="0" compatLnSpc="1">
-                <a:prstTxWarp prst="textNoShape">
-                  <a:avLst/>
-                </a:prstTxWarp>
-                <a:noAutofit/>
-              </a:bodyPr>
-              <a:lstStyle/>
-              <a:p>
-                <a:pPr>
-                  <a:lnSpc>
-                    <a:spcPct val="115000"/>
-                  </a:lnSpc>
-                  <a:spcAft>
-                    <a:spcPts val="1000"/>
-                  </a:spcAft>
-                </a:pPr>
-                <a:r>
-                  <a:rPr lang="es-ES" sz="1400">
-                    <a:effectLst/>
-                    <a:ea typeface="Calibri"/>
-                    <a:cs typeface="Times New Roman"/>
-                  </a:rPr>
-                  <a:t>P</a:t>
-                </a:r>
-                <a:endParaRPr lang="es-ES" sz="1100">
-                  <a:effectLst/>
-                  <a:ea typeface="Calibri"/>
-                  <a:cs typeface="Times New Roman"/>
-                </a:endParaRPr>
-              </a:p>
-            </p:txBody>
-          </p:sp>
-          <p:sp>
-            <p:nvSpPr>
-              <p:cNvPr id="17" name="122 Cuadro de texto"/>
-              <p:cNvSpPr txBox="1"/>
-              <p:nvPr/>
-            </p:nvSpPr>
-            <p:spPr>
-              <a:xfrm>
-                <a:off x="1181100" y="1819275"/>
-                <a:ext cx="457200" cy="352425"/>
-              </a:xfrm>
-              <a:prstGeom prst="rect">
-                <a:avLst/>
-              </a:prstGeom>
-              <a:noFill/>
-              <a:ln w="6350">
-                <a:noFill/>
-              </a:ln>
-              <a:effectLst/>
-            </p:spPr>
-            <p:style>
-              <a:lnRef idx="0">
-                <a:schemeClr val="accent1"/>
-              </a:lnRef>
-              <a:fillRef idx="0">
-                <a:schemeClr val="accent1"/>
-              </a:fillRef>
-              <a:effectRef idx="0">
-                <a:schemeClr val="accent1"/>
-              </a:effectRef>
-              <a:fontRef idx="minor">
-                <a:schemeClr val="dk1"/>
-              </a:fontRef>
-            </p:style>
-            <p:txBody>
-              <a:bodyPr rot="0" spcFirstLastPara="0" vert="horz" wrap="square" lIns="91440" tIns="45720" rIns="91440" bIns="45720" numCol="1" spcCol="0" rtlCol="0" fromWordArt="0" anchor="t" anchorCtr="0" forceAA="0" compatLnSpc="1">
-                <a:prstTxWarp prst="textNoShape">
-                  <a:avLst/>
-                </a:prstTxWarp>
-                <a:noAutofit/>
-              </a:bodyPr>
-              <a:lstStyle/>
-              <a:p>
-                <a:pPr>
-                  <a:lnSpc>
-                    <a:spcPct val="115000"/>
-                  </a:lnSpc>
-                  <a:spcAft>
-                    <a:spcPts val="1000"/>
-                  </a:spcAft>
-                </a:pPr>
-                <a:r>
-                  <a:rPr lang="es-ES" sz="1400">
-                    <a:effectLst/>
-                    <a:ea typeface="Calibri"/>
-                    <a:cs typeface="Times New Roman"/>
-                  </a:rPr>
-                  <a:t>W</a:t>
-                </a:r>
-                <a:endParaRPr lang="es-ES" sz="1100">
-                  <a:effectLst/>
-                  <a:ea typeface="Calibri"/>
-                  <a:cs typeface="Times New Roman"/>
-                </a:endParaRPr>
-              </a:p>
-            </p:txBody>
-          </p:sp>
-          <p:sp>
-            <p:nvSpPr>
-              <p:cNvPr id="18" name="123 Cuadro de texto"/>
-              <p:cNvSpPr txBox="1"/>
-              <p:nvPr/>
-            </p:nvSpPr>
-            <p:spPr>
-              <a:xfrm>
-                <a:off x="3038475" y="1819275"/>
-                <a:ext cx="457200" cy="352425"/>
-              </a:xfrm>
-              <a:prstGeom prst="rect">
-                <a:avLst/>
-              </a:prstGeom>
-              <a:noFill/>
-              <a:ln w="6350">
-                <a:noFill/>
-              </a:ln>
-              <a:effectLst/>
-            </p:spPr>
-            <p:style>
-              <a:lnRef idx="0">
-                <a:schemeClr val="accent1"/>
-              </a:lnRef>
-              <a:fillRef idx="0">
-                <a:schemeClr val="accent1"/>
-              </a:fillRef>
-              <a:effectRef idx="0">
-                <a:schemeClr val="accent1"/>
-              </a:effectRef>
-              <a:fontRef idx="minor">
-                <a:schemeClr val="dk1"/>
-              </a:fontRef>
-            </p:style>
-            <p:txBody>
-              <a:bodyPr rot="0" spcFirstLastPara="0" vert="horz" wrap="square" lIns="91440" tIns="45720" rIns="91440" bIns="45720" numCol="1" spcCol="0" rtlCol="0" fromWordArt="0" anchor="t" anchorCtr="0" forceAA="0" compatLnSpc="1">
-                <a:prstTxWarp prst="textNoShape">
-                  <a:avLst/>
-                </a:prstTxWarp>
-                <a:noAutofit/>
-              </a:bodyPr>
-              <a:lstStyle/>
-              <a:p>
-                <a:pPr>
-                  <a:lnSpc>
-                    <a:spcPct val="115000"/>
-                  </a:lnSpc>
-                  <a:spcAft>
-                    <a:spcPts val="1000"/>
-                  </a:spcAft>
-                </a:pPr>
-                <a:r>
-                  <a:rPr lang="es-ES" sz="1400">
-                    <a:effectLst/>
-                    <a:ea typeface="Calibri"/>
-                    <a:cs typeface="Times New Roman"/>
-                  </a:rPr>
-                  <a:t>E</a:t>
-                </a:r>
-                <a:endParaRPr lang="es-ES" sz="1100">
-                  <a:effectLst/>
-                  <a:ea typeface="Calibri"/>
-                  <a:cs typeface="Times New Roman"/>
-                </a:endParaRPr>
-              </a:p>
-            </p:txBody>
-          </p:sp>
-          <p:sp>
-            <p:nvSpPr>
-              <p:cNvPr id="19" name="124 Cuadro de texto"/>
-              <p:cNvSpPr txBox="1"/>
-              <p:nvPr/>
-            </p:nvSpPr>
-            <p:spPr>
-              <a:xfrm>
-                <a:off x="2133600" y="2800350"/>
-                <a:ext cx="457200" cy="352425"/>
-              </a:xfrm>
-              <a:prstGeom prst="rect">
-                <a:avLst/>
-              </a:prstGeom>
-              <a:noFill/>
-              <a:ln w="6350">
-                <a:noFill/>
-              </a:ln>
-              <a:effectLst/>
-            </p:spPr>
-            <p:style>
-              <a:lnRef idx="0">
-                <a:schemeClr val="accent1"/>
-              </a:lnRef>
-              <a:fillRef idx="0">
-                <a:schemeClr val="accent1"/>
-              </a:fillRef>
-              <a:effectRef idx="0">
-                <a:schemeClr val="accent1"/>
-              </a:effectRef>
-              <a:fontRef idx="minor">
-                <a:schemeClr val="dk1"/>
-              </a:fontRef>
-            </p:style>
-            <p:txBody>
-              <a:bodyPr rot="0" spcFirstLastPara="0" vert="horz" wrap="square" lIns="91440" tIns="45720" rIns="91440" bIns="45720" numCol="1" spcCol="0" rtlCol="0" fromWordArt="0" anchor="t" anchorCtr="0" forceAA="0" compatLnSpc="1">
-                <a:prstTxWarp prst="textNoShape">
-                  <a:avLst/>
-                </a:prstTxWarp>
-                <a:noAutofit/>
-              </a:bodyPr>
-              <a:lstStyle/>
-              <a:p>
-                <a:pPr>
-                  <a:lnSpc>
-                    <a:spcPct val="115000"/>
-                  </a:lnSpc>
-                  <a:spcAft>
-                    <a:spcPts val="1000"/>
-                  </a:spcAft>
-                </a:pPr>
-                <a:r>
-                  <a:rPr lang="es-ES" sz="1400">
-                    <a:effectLst/>
-                    <a:ea typeface="Calibri"/>
-                    <a:cs typeface="Times New Roman"/>
-                  </a:rPr>
-                  <a:t>S</a:t>
-                </a:r>
-                <a:endParaRPr lang="es-ES" sz="1100">
-                  <a:effectLst/>
-                  <a:ea typeface="Calibri"/>
-                  <a:cs typeface="Times New Roman"/>
-                </a:endParaRPr>
-              </a:p>
-            </p:txBody>
-          </p:sp>
-        </p:grpSp>
-        <p:cxnSp>
-          <p:nvCxnSpPr>
-            <p:cNvPr id="7" name="125 Conector recto de flecha"/>
-            <p:cNvCxnSpPr/>
-            <p:nvPr/>
-          </p:nvCxnSpPr>
-          <p:spPr>
-            <a:xfrm>
-              <a:off x="1409700" y="2390775"/>
-              <a:ext cx="723900" cy="0"/>
-            </a:xfrm>
-            <a:prstGeom prst="straightConnector1">
-              <a:avLst/>
-            </a:prstGeom>
-            <a:ln w="12700">
-              <a:tailEnd type="triangle"/>
-            </a:ln>
-          </p:spPr>
-          <p:style>
-            <a:lnRef idx="1">
-              <a:schemeClr val="dk1"/>
-            </a:lnRef>
-            <a:fillRef idx="0">
-              <a:schemeClr val="dk1"/>
-            </a:fillRef>
-            <a:effectRef idx="0">
-              <a:schemeClr val="dk1"/>
-            </a:effectRef>
-            <a:fontRef idx="minor">
-              <a:schemeClr val="tx1"/>
-            </a:fontRef>
-          </p:style>
-        </p:cxnSp>
-        <p:cxnSp>
-          <p:nvCxnSpPr>
-            <p:cNvPr id="8" name="126 Conector recto de flecha"/>
-            <p:cNvCxnSpPr/>
-            <p:nvPr/>
-          </p:nvCxnSpPr>
-          <p:spPr>
-            <a:xfrm>
-              <a:off x="2495550" y="2400300"/>
-              <a:ext cx="723900" cy="0"/>
-            </a:xfrm>
-            <a:prstGeom prst="straightConnector1">
-              <a:avLst/>
-            </a:prstGeom>
-            <a:ln w="12700">
-              <a:tailEnd type="triangle"/>
-            </a:ln>
-          </p:spPr>
-          <p:style>
-            <a:lnRef idx="1">
-              <a:schemeClr val="dk1"/>
-            </a:lnRef>
-            <a:fillRef idx="0">
-              <a:schemeClr val="dk1"/>
-            </a:fillRef>
-            <a:effectRef idx="0">
-              <a:schemeClr val="dk1"/>
-            </a:effectRef>
-            <a:fontRef idx="minor">
-              <a:schemeClr val="tx1"/>
-            </a:fontRef>
-          </p:style>
-        </p:cxnSp>
-        <p:cxnSp>
-          <p:nvCxnSpPr>
-            <p:cNvPr id="9" name="127 Conector recto de flecha"/>
-            <p:cNvCxnSpPr/>
-            <p:nvPr/>
-          </p:nvCxnSpPr>
-          <p:spPr>
-            <a:xfrm rot="16200000">
-              <a:off x="1590675" y="2828925"/>
-              <a:ext cx="723900" cy="0"/>
-            </a:xfrm>
-            <a:prstGeom prst="straightConnector1">
-              <a:avLst/>
-            </a:prstGeom>
-            <a:ln w="12700">
-              <a:solidFill>
-                <a:schemeClr val="tx1"/>
-              </a:solidFill>
-              <a:tailEnd type="triangle"/>
-            </a:ln>
-          </p:spPr>
-          <p:style>
-            <a:lnRef idx="1">
-              <a:schemeClr val="accent2"/>
-            </a:lnRef>
-            <a:fillRef idx="0">
-              <a:schemeClr val="accent2"/>
-            </a:fillRef>
-            <a:effectRef idx="0">
-              <a:schemeClr val="accent2"/>
-            </a:effectRef>
-            <a:fontRef idx="minor">
-              <a:schemeClr val="tx1"/>
-            </a:fontRef>
-          </p:style>
-        </p:cxnSp>
-        <p:cxnSp>
-          <p:nvCxnSpPr>
-            <p:cNvPr id="10" name="128 Conector recto de flecha"/>
-            <p:cNvCxnSpPr/>
-            <p:nvPr/>
-          </p:nvCxnSpPr>
-          <p:spPr>
-            <a:xfrm rot="16200000">
-              <a:off x="1657350" y="1676400"/>
-              <a:ext cx="723900" cy="0"/>
-            </a:xfrm>
-            <a:prstGeom prst="straightConnector1">
-              <a:avLst/>
-            </a:prstGeom>
-            <a:ln w="12700">
-              <a:solidFill>
-                <a:schemeClr val="tx1"/>
-              </a:solidFill>
-              <a:tailEnd type="triangle"/>
-            </a:ln>
-          </p:spPr>
-          <p:style>
-            <a:lnRef idx="1">
-              <a:schemeClr val="accent2"/>
-            </a:lnRef>
-            <a:fillRef idx="0">
-              <a:schemeClr val="accent2"/>
-            </a:fillRef>
-            <a:effectRef idx="0">
-              <a:schemeClr val="accent2"/>
-            </a:effectRef>
-            <a:fontRef idx="minor">
-              <a:schemeClr val="tx1"/>
-            </a:fontRef>
-          </p:style>
-        </p:cxnSp>
-        <mc:AlternateContent xmlns:mc="http://schemas.openxmlformats.org/markup-compatibility/2006" xmlns:a14="http://schemas.microsoft.com/office/drawing/2010/main">
-          <mc:Choice Requires="a14">
-            <p:sp>
-              <p:nvSpPr>
-                <p:cNvPr id="11" name="129 Cuadro de texto"/>
-                <p:cNvSpPr txBox="1"/>
-                <p:nvPr/>
-              </p:nvSpPr>
-              <p:spPr>
-                <a:xfrm>
-                  <a:off x="1409700" y="2095500"/>
-                  <a:ext cx="446405" cy="581025"/>
-                </a:xfrm>
-                <a:prstGeom prst="rect">
-                  <a:avLst/>
-                </a:prstGeom>
-                <a:noFill/>
-                <a:ln w="6350">
-                  <a:noFill/>
-                </a:ln>
-                <a:effectLst/>
-              </p:spPr>
-              <p:style>
-                <a:lnRef idx="0">
-                  <a:schemeClr val="accent1"/>
-                </a:lnRef>
-                <a:fillRef idx="0">
-                  <a:schemeClr val="accent1"/>
-                </a:fillRef>
-                <a:effectRef idx="0">
-                  <a:schemeClr val="accent1"/>
-                </a:effectRef>
-                <a:fontRef idx="minor">
-                  <a:schemeClr val="dk1"/>
-                </a:fontRef>
-              </p:style>
-              <p:txBody>
-                <a:bodyPr rot="0" spcFirstLastPara="0" vert="horz" wrap="square" lIns="91440" tIns="45720" rIns="91440" bIns="45720" numCol="1" spcCol="0" rtlCol="0" fromWordArt="0" anchor="t" anchorCtr="0" forceAA="0" compatLnSpc="1">
-                  <a:prstTxWarp prst="textNoShape">
-                    <a:avLst/>
-                  </a:prstTxWarp>
-                  <a:noAutofit/>
-                </a:bodyPr>
-                <a:lstStyle/>
-                <a:p>
-                  <a:pPr>
-                    <a:lnSpc>
-                      <a:spcPct val="115000"/>
-                    </a:lnSpc>
-                    <a:spcAft>
-                      <a:spcPts val="1000"/>
-                    </a:spcAft>
-                  </a:pPr>
-                  <a14:m>
-                    <m:oMathPara xmlns:m="http://schemas.openxmlformats.org/officeDocument/2006/math">
-                      <m:oMathParaPr>
-                        <m:jc m:val="centerGroup"/>
-                      </m:oMathParaPr>
-                      <m:oMath xmlns:m="http://schemas.openxmlformats.org/officeDocument/2006/math">
-                        <m:sSub>
-                          <m:sSubPr>
-                            <m:ctrlPr>
-                              <a:rPr lang="es-ES" sz="1100" i="1">
-                                <a:effectLst/>
-                                <a:latin typeface="Cambria Math"/>
-                                <a:ea typeface="Calibri"/>
-                                <a:cs typeface="Times New Roman"/>
-                              </a:rPr>
-                            </m:ctrlPr>
-                          </m:sSubPr>
-                          <m:e>
-                            <m:acc>
-                              <m:accPr>
-                                <m:chr m:val="̇"/>
-                                <m:ctrlPr>
-                                  <a:rPr lang="es-ES" sz="1100" i="1">
-                                    <a:effectLst/>
-                                    <a:latin typeface="Cambria Math"/>
-                                    <a:ea typeface="Calibri"/>
-                                    <a:cs typeface="Times New Roman"/>
-                                  </a:rPr>
-                                </m:ctrlPr>
-                              </m:accPr>
-                              <m:e>
-                                <m:r>
-                                  <a:rPr lang="es-ES" sz="1100" i="1">
-                                    <a:effectLst/>
-                                    <a:latin typeface="Cambria Math"/>
-                                    <a:ea typeface="Calibri"/>
-                                    <a:cs typeface="Times New Roman"/>
-                                  </a:rPr>
-                                  <m:t>𝑄</m:t>
-                                </m:r>
-                              </m:e>
-                            </m:acc>
-                          </m:e>
-                          <m:sub>
-                            <m:r>
-                              <a:rPr lang="es-ES" sz="1100" i="1">
-                                <a:effectLst/>
-                                <a:latin typeface="Cambria Math"/>
-                                <a:ea typeface="Calibri"/>
-                                <a:cs typeface="Times New Roman"/>
-                              </a:rPr>
-                              <m:t>𝑤</m:t>
-                            </m:r>
-                          </m:sub>
-                        </m:sSub>
-                      </m:oMath>
-                    </m:oMathPara>
-                  </a14:m>
-                  <a:endParaRPr lang="es-ES" sz="1100">
-                    <a:effectLst/>
-                    <a:ea typeface="Calibri"/>
-                    <a:cs typeface="Times New Roman"/>
-                  </a:endParaRPr>
-                </a:p>
-              </p:txBody>
-            </p:sp>
-          </mc:Choice>
-          <mc:Fallback xmlns="">
-            <p:sp>
-              <p:nvSpPr>
-                <p:cNvPr id="11" name="129 Cuadro de texto"/>
-                <p:cNvSpPr txBox="1">
-                  <a:spLocks noRot="1" noChangeAspect="1" noMove="1" noResize="1" noEditPoints="1" noAdjustHandles="1" noChangeArrowheads="1" noChangeShapeType="1" noTextEdit="1"/>
-                </p:cNvSpPr>
-                <p:nvPr/>
-              </p:nvSpPr>
-              <p:spPr>
-                <a:xfrm>
-                  <a:off x="1409700" y="2095500"/>
-                  <a:ext cx="446405" cy="581025"/>
-                </a:xfrm>
-                <a:prstGeom prst="rect">
-                  <a:avLst/>
-                </a:prstGeom>
-                <a:blipFill rotWithShape="1">
-                  <a:blip r:embed="rId3"/>
-                  <a:stretch>
-                    <a:fillRect/>
-                  </a:stretch>
-                </a:blipFill>
-                <a:ln w="6350">
-                  <a:noFill/>
-                </a:ln>
-                <a:effectLst/>
-              </p:spPr>
-              <p:txBody>
-                <a:bodyPr/>
-                <a:lstStyle/>
-                <a:p>
-                  <a:r>
-                    <a:rPr lang="es-ES">
-                      <a:noFill/>
-                    </a:rPr>
-                    <a:t> </a:t>
-                  </a:r>
-                </a:p>
-              </p:txBody>
-            </p:sp>
-          </mc:Fallback>
-        </mc:AlternateContent>
-        <mc:AlternateContent xmlns:mc="http://schemas.openxmlformats.org/markup-compatibility/2006" xmlns:a14="http://schemas.microsoft.com/office/drawing/2010/main">
-          <mc:Choice Requires="a14">
-            <p:sp>
-              <p:nvSpPr>
-                <p:cNvPr id="12" name="130 Cuadro de texto"/>
-                <p:cNvSpPr txBox="1"/>
-                <p:nvPr/>
-              </p:nvSpPr>
-              <p:spPr>
-                <a:xfrm>
-                  <a:off x="2695575" y="2095500"/>
-                  <a:ext cx="344170" cy="285750"/>
-                </a:xfrm>
-                <a:prstGeom prst="rect">
-                  <a:avLst/>
-                </a:prstGeom>
-                <a:noFill/>
-                <a:ln w="6350">
-                  <a:noFill/>
-                </a:ln>
-                <a:effectLst/>
-              </p:spPr>
-              <p:style>
-                <a:lnRef idx="0">
-                  <a:schemeClr val="accent1"/>
-                </a:lnRef>
-                <a:fillRef idx="0">
-                  <a:schemeClr val="accent1"/>
-                </a:fillRef>
-                <a:effectRef idx="0">
-                  <a:schemeClr val="accent1"/>
-                </a:effectRef>
-                <a:fontRef idx="minor">
-                  <a:schemeClr val="dk1"/>
-                </a:fontRef>
-              </p:style>
-              <p:txBody>
-                <a:bodyPr rot="0" spcFirstLastPara="0" vert="horz" wrap="square" lIns="91440" tIns="45720" rIns="91440" bIns="45720" numCol="1" spcCol="0" rtlCol="0" fromWordArt="0" anchor="t" anchorCtr="0" forceAA="0" compatLnSpc="1">
-                  <a:prstTxWarp prst="textNoShape">
-                    <a:avLst/>
-                  </a:prstTxWarp>
-                  <a:noAutofit/>
-                </a:bodyPr>
-                <a:lstStyle/>
-                <a:p>
-                  <a:pPr>
-                    <a:lnSpc>
-                      <a:spcPct val="115000"/>
-                    </a:lnSpc>
-                    <a:spcAft>
-                      <a:spcPts val="1000"/>
-                    </a:spcAft>
-                  </a:pPr>
-                  <a14:m>
-                    <m:oMathPara xmlns:m="http://schemas.openxmlformats.org/officeDocument/2006/math">
-                      <m:oMathParaPr>
-                        <m:jc m:val="centerGroup"/>
-                      </m:oMathParaPr>
-                      <m:oMath xmlns:m="http://schemas.openxmlformats.org/officeDocument/2006/math">
-                        <m:sSub>
-                          <m:sSubPr>
-                            <m:ctrlPr>
-                              <a:rPr lang="es-ES" sz="1100" i="1">
-                                <a:effectLst/>
-                                <a:latin typeface="Cambria Math"/>
-                                <a:ea typeface="Calibri"/>
-                                <a:cs typeface="Times New Roman"/>
-                              </a:rPr>
-                            </m:ctrlPr>
-                          </m:sSubPr>
-                          <m:e>
-                            <m:acc>
-                              <m:accPr>
-                                <m:chr m:val="̇"/>
-                                <m:ctrlPr>
-                                  <a:rPr lang="es-ES" sz="1100" i="1">
-                                    <a:effectLst/>
-                                    <a:latin typeface="Cambria Math"/>
-                                    <a:ea typeface="Calibri"/>
-                                    <a:cs typeface="Times New Roman"/>
-                                  </a:rPr>
-                                </m:ctrlPr>
-                              </m:accPr>
-                              <m:e>
-                                <m:r>
-                                  <a:rPr lang="es-ES" sz="1100" i="1">
-                                    <a:effectLst/>
-                                    <a:latin typeface="Cambria Math"/>
-                                    <a:ea typeface="Calibri"/>
-                                    <a:cs typeface="Times New Roman"/>
-                                  </a:rPr>
-                                  <m:t>𝑄</m:t>
-                                </m:r>
-                              </m:e>
-                            </m:acc>
-                          </m:e>
-                          <m:sub>
-                            <m:r>
-                              <a:rPr lang="es-ES" sz="1100" i="1">
-                                <a:effectLst/>
-                                <a:latin typeface="Cambria Math"/>
-                                <a:ea typeface="Calibri"/>
-                                <a:cs typeface="Times New Roman"/>
-                              </a:rPr>
-                              <m:t>𝑒</m:t>
-                            </m:r>
-                          </m:sub>
-                        </m:sSub>
-                      </m:oMath>
-                    </m:oMathPara>
-                  </a14:m>
-                  <a:endParaRPr lang="es-ES" sz="1100">
-                    <a:effectLst/>
-                    <a:ea typeface="Calibri"/>
-                    <a:cs typeface="Times New Roman"/>
-                  </a:endParaRPr>
-                </a:p>
-              </p:txBody>
-            </p:sp>
-          </mc:Choice>
-          <mc:Fallback xmlns="">
-            <p:sp>
-              <p:nvSpPr>
-                <p:cNvPr id="12" name="130 Cuadro de texto"/>
-                <p:cNvSpPr txBox="1">
-                  <a:spLocks noRot="1" noChangeAspect="1" noMove="1" noResize="1" noEditPoints="1" noAdjustHandles="1" noChangeArrowheads="1" noChangeShapeType="1" noTextEdit="1"/>
-                </p:cNvSpPr>
-                <p:nvPr/>
-              </p:nvSpPr>
-              <p:spPr>
-                <a:xfrm>
-                  <a:off x="2695575" y="2095500"/>
-                  <a:ext cx="344170" cy="285750"/>
-                </a:xfrm>
-                <a:prstGeom prst="rect">
-                  <a:avLst/>
-                </a:prstGeom>
-                <a:blipFill rotWithShape="1">
-                  <a:blip r:embed="rId4"/>
-                  <a:stretch>
-                    <a:fillRect/>
-                  </a:stretch>
-                </a:blipFill>
-                <a:ln w="6350">
-                  <a:noFill/>
-                </a:ln>
-                <a:effectLst/>
-              </p:spPr>
-              <p:txBody>
-                <a:bodyPr/>
-                <a:lstStyle/>
-                <a:p>
-                  <a:r>
-                    <a:rPr lang="es-ES">
-                      <a:noFill/>
-                    </a:rPr>
-                    <a:t> </a:t>
-                  </a:r>
-                </a:p>
-              </p:txBody>
-            </p:sp>
-          </mc:Fallback>
-        </mc:AlternateContent>
-        <mc:AlternateContent xmlns:mc="http://schemas.openxmlformats.org/markup-compatibility/2006" xmlns:a14="http://schemas.microsoft.com/office/drawing/2010/main">
-          <mc:Choice Requires="a14">
-            <p:sp>
-              <p:nvSpPr>
-                <p:cNvPr id="13" name="131 Cuadro de texto"/>
-                <p:cNvSpPr txBox="1"/>
-                <p:nvPr/>
-              </p:nvSpPr>
-              <p:spPr>
-                <a:xfrm>
-                  <a:off x="1809750" y="1476375"/>
-                  <a:ext cx="742950" cy="342900"/>
-                </a:xfrm>
-                <a:prstGeom prst="rect">
-                  <a:avLst/>
-                </a:prstGeom>
-                <a:noFill/>
-                <a:ln w="6350">
-                  <a:noFill/>
-                </a:ln>
-                <a:effectLst/>
-              </p:spPr>
-              <p:style>
-                <a:lnRef idx="0">
-                  <a:schemeClr val="accent1"/>
-                </a:lnRef>
-                <a:fillRef idx="0">
-                  <a:schemeClr val="accent1"/>
-                </a:fillRef>
-                <a:effectRef idx="0">
-                  <a:schemeClr val="accent1"/>
-                </a:effectRef>
-                <a:fontRef idx="minor">
-                  <a:schemeClr val="dk1"/>
-                </a:fontRef>
-              </p:style>
-              <p:txBody>
-                <a:bodyPr rot="0" spcFirstLastPara="0" vert="horz" wrap="square" lIns="91440" tIns="45720" rIns="91440" bIns="45720" numCol="1" spcCol="0" rtlCol="0" fromWordArt="0" anchor="t" anchorCtr="0" forceAA="0" compatLnSpc="1">
-                  <a:prstTxWarp prst="textNoShape">
-                    <a:avLst/>
-                  </a:prstTxWarp>
-                  <a:noAutofit/>
-                </a:bodyPr>
-                <a:lstStyle/>
-                <a:p>
-                  <a:pPr>
-                    <a:lnSpc>
-                      <a:spcPct val="115000"/>
-                    </a:lnSpc>
-                    <a:spcAft>
-                      <a:spcPts val="1000"/>
-                    </a:spcAft>
-                  </a:pPr>
-                  <a14:m>
-                    <m:oMathPara xmlns:m="http://schemas.openxmlformats.org/officeDocument/2006/math">
-                      <m:oMathParaPr>
-                        <m:jc m:val="centerGroup"/>
-                      </m:oMathParaPr>
-                      <m:oMath xmlns:m="http://schemas.openxmlformats.org/officeDocument/2006/math">
-                        <m:sSub>
-                          <m:sSubPr>
-                            <m:ctrlPr>
-                              <a:rPr lang="es-ES" sz="1100" i="1">
-                                <a:effectLst/>
-                                <a:latin typeface="Cambria Math"/>
-                                <a:ea typeface="Calibri"/>
-                                <a:cs typeface="Times New Roman"/>
-                              </a:rPr>
-                            </m:ctrlPr>
-                          </m:sSubPr>
-                          <m:e>
-                            <m:acc>
-                              <m:accPr>
-                                <m:chr m:val="̇"/>
-                                <m:ctrlPr>
-                                  <a:rPr lang="es-ES" sz="1100" i="1">
-                                    <a:effectLst/>
-                                    <a:latin typeface="Cambria Math"/>
-                                    <a:ea typeface="Calibri"/>
-                                    <a:cs typeface="Times New Roman"/>
-                                  </a:rPr>
-                                </m:ctrlPr>
-                              </m:accPr>
-                              <m:e>
-                                <m:r>
-                                  <a:rPr lang="es-ES" sz="1100" i="1">
-                                    <a:effectLst/>
-                                    <a:latin typeface="Cambria Math"/>
-                                    <a:ea typeface="Calibri"/>
-                                    <a:cs typeface="Times New Roman"/>
-                                  </a:rPr>
-                                  <m:t>𝑄</m:t>
-                                </m:r>
-                              </m:e>
-                            </m:acc>
-                          </m:e>
-                          <m:sub>
-                            <m:r>
-                              <a:rPr lang="es-ES" sz="1100" i="1">
-                                <a:effectLst/>
-                                <a:latin typeface="Cambria Math"/>
-                                <a:ea typeface="Calibri"/>
-                                <a:cs typeface="Times New Roman"/>
-                              </a:rPr>
-                              <m:t>𝑛</m:t>
-                            </m:r>
-                          </m:sub>
-                        </m:sSub>
-                      </m:oMath>
-                    </m:oMathPara>
-                  </a14:m>
-                  <a:endParaRPr lang="es-ES" sz="1100">
-                    <a:effectLst/>
-                    <a:ea typeface="Calibri"/>
-                    <a:cs typeface="Times New Roman"/>
-                  </a:endParaRPr>
-                </a:p>
-              </p:txBody>
-            </p:sp>
-          </mc:Choice>
-          <mc:Fallback xmlns="">
-            <p:sp>
-              <p:nvSpPr>
-                <p:cNvPr id="13" name="131 Cuadro de texto"/>
-                <p:cNvSpPr txBox="1">
-                  <a:spLocks noRot="1" noChangeAspect="1" noMove="1" noResize="1" noEditPoints="1" noAdjustHandles="1" noChangeArrowheads="1" noChangeShapeType="1" noTextEdit="1"/>
-                </p:cNvSpPr>
-                <p:nvPr/>
-              </p:nvSpPr>
-              <p:spPr>
-                <a:xfrm>
-                  <a:off x="1809750" y="1476375"/>
-                  <a:ext cx="742950" cy="342900"/>
-                </a:xfrm>
-                <a:prstGeom prst="rect">
-                  <a:avLst/>
-                </a:prstGeom>
-                <a:blipFill rotWithShape="1">
-                  <a:blip r:embed="rId5"/>
-                  <a:stretch>
-                    <a:fillRect/>
-                  </a:stretch>
-                </a:blipFill>
-                <a:ln w="6350">
-                  <a:noFill/>
-                </a:ln>
-                <a:effectLst/>
-              </p:spPr>
-              <p:txBody>
-                <a:bodyPr/>
-                <a:lstStyle/>
-                <a:p>
-                  <a:r>
-                    <a:rPr lang="es-ES">
-                      <a:noFill/>
-                    </a:rPr>
-                    <a:t> </a:t>
-                  </a:r>
-                </a:p>
-              </p:txBody>
-            </p:sp>
-          </mc:Fallback>
-        </mc:AlternateContent>
-        <mc:AlternateContent xmlns:mc="http://schemas.openxmlformats.org/markup-compatibility/2006" xmlns:a14="http://schemas.microsoft.com/office/drawing/2010/main">
-          <mc:Choice Requires="a14">
-            <p:sp>
-              <p:nvSpPr>
-                <p:cNvPr id="14" name="132 Cuadro de texto"/>
-                <p:cNvSpPr txBox="1"/>
-                <p:nvPr/>
-              </p:nvSpPr>
-              <p:spPr>
-                <a:xfrm>
-                  <a:off x="1885950" y="2743200"/>
-                  <a:ext cx="419100" cy="409575"/>
-                </a:xfrm>
-                <a:prstGeom prst="rect">
-                  <a:avLst/>
-                </a:prstGeom>
-                <a:noFill/>
-                <a:ln w="6350">
-                  <a:noFill/>
-                </a:ln>
-                <a:effectLst/>
-              </p:spPr>
-              <p:style>
-                <a:lnRef idx="0">
-                  <a:schemeClr val="accent1"/>
-                </a:lnRef>
-                <a:fillRef idx="0">
-                  <a:schemeClr val="accent1"/>
-                </a:fillRef>
-                <a:effectRef idx="0">
-                  <a:schemeClr val="accent1"/>
-                </a:effectRef>
-                <a:fontRef idx="minor">
-                  <a:schemeClr val="dk1"/>
-                </a:fontRef>
-              </p:style>
-              <p:txBody>
-                <a:bodyPr rot="0" spcFirstLastPara="0" vert="horz" wrap="square" lIns="91440" tIns="45720" rIns="91440" bIns="45720" numCol="1" spcCol="0" rtlCol="0" fromWordArt="0" anchor="t" anchorCtr="0" forceAA="0" compatLnSpc="1">
-                  <a:prstTxWarp prst="textNoShape">
-                    <a:avLst/>
-                  </a:prstTxWarp>
-                  <a:noAutofit/>
-                </a:bodyPr>
-                <a:lstStyle/>
-                <a:p>
-                  <a:pPr>
-                    <a:lnSpc>
-                      <a:spcPct val="115000"/>
-                    </a:lnSpc>
-                    <a:spcAft>
-                      <a:spcPts val="1000"/>
-                    </a:spcAft>
-                  </a:pPr>
-                  <a14:m>
-                    <m:oMathPara xmlns:m="http://schemas.openxmlformats.org/officeDocument/2006/math">
-                      <m:oMathParaPr>
-                        <m:jc m:val="centerGroup"/>
-                      </m:oMathParaPr>
-                      <m:oMath xmlns:m="http://schemas.openxmlformats.org/officeDocument/2006/math">
-                        <m:sSub>
-                          <m:sSubPr>
-                            <m:ctrlPr>
-                              <a:rPr lang="es-ES" sz="1100" i="1">
-                                <a:effectLst/>
-                                <a:latin typeface="Cambria Math"/>
-                                <a:ea typeface="Calibri"/>
-                                <a:cs typeface="Times New Roman"/>
-                              </a:rPr>
-                            </m:ctrlPr>
-                          </m:sSubPr>
-                          <m:e>
-                            <m:acc>
-                              <m:accPr>
-                                <m:chr m:val="̇"/>
-                                <m:ctrlPr>
-                                  <a:rPr lang="es-ES" sz="1100" i="1">
-                                    <a:effectLst/>
-                                    <a:latin typeface="Cambria Math"/>
-                                    <a:ea typeface="Calibri"/>
-                                    <a:cs typeface="Times New Roman"/>
-                                  </a:rPr>
-                                </m:ctrlPr>
-                              </m:accPr>
-                              <m:e>
-                                <m:r>
-                                  <a:rPr lang="es-ES" sz="1100" i="1">
-                                    <a:effectLst/>
-                                    <a:latin typeface="Cambria Math"/>
-                                    <a:ea typeface="Calibri"/>
-                                    <a:cs typeface="Times New Roman"/>
-                                  </a:rPr>
-                                  <m:t>𝑄</m:t>
-                                </m:r>
-                              </m:e>
-                            </m:acc>
-                          </m:e>
-                          <m:sub>
-                            <m:r>
-                              <a:rPr lang="es-ES" sz="1100" i="1">
-                                <a:effectLst/>
-                                <a:latin typeface="Cambria Math"/>
-                                <a:ea typeface="Calibri"/>
-                                <a:cs typeface="Times New Roman"/>
-                              </a:rPr>
-                              <m:t>𝑠</m:t>
-                            </m:r>
-                          </m:sub>
-                        </m:sSub>
-                      </m:oMath>
-                    </m:oMathPara>
-                  </a14:m>
-                  <a:endParaRPr lang="es-ES" sz="1100">
-                    <a:effectLst/>
-                    <a:ea typeface="Calibri"/>
-                    <a:cs typeface="Times New Roman"/>
-                  </a:endParaRPr>
-                </a:p>
-              </p:txBody>
-            </p:sp>
-          </mc:Choice>
-          <mc:Fallback xmlns="">
-            <p:sp>
-              <p:nvSpPr>
-                <p:cNvPr id="14" name="132 Cuadro de texto"/>
-                <p:cNvSpPr txBox="1">
-                  <a:spLocks noRot="1" noChangeAspect="1" noMove="1" noResize="1" noEditPoints="1" noAdjustHandles="1" noChangeArrowheads="1" noChangeShapeType="1" noTextEdit="1"/>
-                </p:cNvSpPr>
-                <p:nvPr/>
-              </p:nvSpPr>
-              <p:spPr>
-                <a:xfrm>
-                  <a:off x="1885950" y="2743200"/>
-                  <a:ext cx="419100" cy="409575"/>
-                </a:xfrm>
-                <a:prstGeom prst="rect">
-                  <a:avLst/>
-                </a:prstGeom>
-                <a:blipFill rotWithShape="1">
-                  <a:blip r:embed="rId6"/>
-                  <a:stretch>
-                    <a:fillRect/>
-                  </a:stretch>
-                </a:blipFill>
-                <a:ln w="6350">
-                  <a:noFill/>
-                </a:ln>
-                <a:effectLst/>
-              </p:spPr>
-              <p:txBody>
-                <a:bodyPr/>
-                <a:lstStyle/>
-                <a:p>
-                  <a:r>
-                    <a:rPr lang="es-ES">
-                      <a:noFill/>
-                    </a:rPr>
-                    <a:t> </a:t>
-                  </a:r>
-                </a:p>
-              </p:txBody>
-            </p:sp>
-          </mc:Fallback>
-        </mc:AlternateContent>
-      </p:grpSp>
       <p:sp>
         <p:nvSpPr>
           <p:cNvPr id="184" name="183 CuadroTexto"/>
@@ -28173,6 +26336,1135 @@
           </p:sp>
         </p:grpSp>
       </p:grpSp>
+      <p:grpSp>
+        <p:nvGrpSpPr>
+          <p:cNvPr id="40" name="39 Grupo"/>
+          <p:cNvGrpSpPr/>
+          <p:nvPr/>
+        </p:nvGrpSpPr>
+        <p:grpSpPr>
+          <a:xfrm>
+            <a:off x="572367" y="2105342"/>
+            <a:ext cx="2923540" cy="2886075"/>
+            <a:chOff x="572367" y="2105342"/>
+            <a:chExt cx="2923540" cy="2886075"/>
+          </a:xfrm>
+        </p:grpSpPr>
+        <p:grpSp>
+          <p:nvGrpSpPr>
+            <p:cNvPr id="4" name="77 Grupo"/>
+            <p:cNvGrpSpPr/>
+            <p:nvPr/>
+          </p:nvGrpSpPr>
+          <p:grpSpPr>
+            <a:xfrm>
+              <a:off x="572367" y="2105342"/>
+              <a:ext cx="2923540" cy="2886075"/>
+              <a:chOff x="800101" y="800100"/>
+              <a:chExt cx="2924174" cy="2886075"/>
+            </a:xfrm>
+          </p:grpSpPr>
+          <p:sp>
+            <p:nvSpPr>
+              <p:cNvPr id="5" name="78 Rectángulo"/>
+              <p:cNvSpPr/>
+              <p:nvPr/>
+            </p:nvSpPr>
+            <p:spPr>
+              <a:xfrm>
+                <a:off x="1819275" y="1752600"/>
+                <a:ext cx="895350" cy="923925"/>
+              </a:xfrm>
+              <a:prstGeom prst="rect">
+                <a:avLst/>
+              </a:prstGeom>
+              <a:solidFill>
+                <a:schemeClr val="bg1">
+                  <a:lumMod val="85000"/>
+                  <a:alpha val="73000"/>
+                </a:schemeClr>
+              </a:solidFill>
+              <a:ln>
+                <a:noFill/>
+              </a:ln>
+            </p:spPr>
+            <p:style>
+              <a:lnRef idx="2">
+                <a:schemeClr val="accent1">
+                  <a:shade val="50000"/>
+                </a:schemeClr>
+              </a:lnRef>
+              <a:fillRef idx="1">
+                <a:schemeClr val="accent1"/>
+              </a:fillRef>
+              <a:effectRef idx="0">
+                <a:schemeClr val="accent1"/>
+              </a:effectRef>
+              <a:fontRef idx="minor">
+                <a:schemeClr val="lt1"/>
+              </a:fontRef>
+            </p:style>
+            <p:txBody>
+              <a:bodyPr rot="0" spcFirstLastPara="0" vert="horz" wrap="square" lIns="91440" tIns="45720" rIns="91440" bIns="45720" numCol="1" spcCol="0" rtlCol="0" fromWordArt="0" anchor="ctr" anchorCtr="0" forceAA="0" compatLnSpc="1">
+                <a:prstTxWarp prst="textNoShape">
+                  <a:avLst/>
+                </a:prstTxWarp>
+                <a:noAutofit/>
+              </a:bodyPr>
+              <a:lstStyle/>
+              <a:p>
+                <a:endParaRPr lang="es-ES"/>
+              </a:p>
+            </p:txBody>
+          </p:sp>
+          <p:grpSp>
+            <p:nvGrpSpPr>
+              <p:cNvPr id="6" name="79 Grupo"/>
+              <p:cNvGrpSpPr/>
+              <p:nvPr/>
+            </p:nvGrpSpPr>
+            <p:grpSpPr>
+              <a:xfrm>
+                <a:off x="800101" y="800100"/>
+                <a:ext cx="2924174" cy="2886075"/>
+                <a:chOff x="800101" y="800100"/>
+                <a:chExt cx="2924174" cy="2886075"/>
+              </a:xfrm>
+            </p:grpSpPr>
+            <p:grpSp>
+              <p:nvGrpSpPr>
+                <p:cNvPr id="15" name="80 Grupo"/>
+                <p:cNvGrpSpPr/>
+                <p:nvPr/>
+              </p:nvGrpSpPr>
+              <p:grpSpPr>
+                <a:xfrm>
+                  <a:off x="800101" y="800100"/>
+                  <a:ext cx="2924174" cy="2886075"/>
+                  <a:chOff x="800101" y="800100"/>
+                  <a:chExt cx="2924174" cy="2886075"/>
+                </a:xfrm>
+              </p:grpSpPr>
+              <p:sp>
+                <p:nvSpPr>
+                  <p:cNvPr id="20" name="81 Elipse"/>
+                  <p:cNvSpPr/>
+                  <p:nvPr/>
+                </p:nvSpPr>
+                <p:spPr>
+                  <a:xfrm>
+                    <a:off x="3143250" y="2171700"/>
+                    <a:ext cx="76200" cy="76200"/>
+                  </a:xfrm>
+                  <a:prstGeom prst="ellipse">
+                    <a:avLst/>
+                  </a:prstGeom>
+                </p:spPr>
+                <p:style>
+                  <a:lnRef idx="2">
+                    <a:schemeClr val="dk1">
+                      <a:shade val="50000"/>
+                    </a:schemeClr>
+                  </a:lnRef>
+                  <a:fillRef idx="1">
+                    <a:schemeClr val="dk1"/>
+                  </a:fillRef>
+                  <a:effectRef idx="0">
+                    <a:schemeClr val="dk1"/>
+                  </a:effectRef>
+                  <a:fontRef idx="minor">
+                    <a:schemeClr val="lt1"/>
+                  </a:fontRef>
+                </p:style>
+                <p:txBody>
+                  <a:bodyPr rot="0" spcFirstLastPara="0" vert="horz" wrap="square" lIns="91440" tIns="45720" rIns="91440" bIns="45720" numCol="1" spcCol="0" rtlCol="0" fromWordArt="0" anchor="ctr" anchorCtr="0" forceAA="0" compatLnSpc="1">
+                    <a:prstTxWarp prst="textNoShape">
+                      <a:avLst/>
+                    </a:prstTxWarp>
+                    <a:noAutofit/>
+                  </a:bodyPr>
+                  <a:lstStyle/>
+                  <a:p>
+                    <a:endParaRPr lang="es-ES"/>
+                  </a:p>
+                </p:txBody>
+              </p:sp>
+              <p:grpSp>
+                <p:nvGrpSpPr>
+                  <p:cNvPr id="21" name="82 Grupo"/>
+                  <p:cNvGrpSpPr/>
+                  <p:nvPr/>
+                </p:nvGrpSpPr>
+                <p:grpSpPr>
+                  <a:xfrm>
+                    <a:off x="800101" y="800100"/>
+                    <a:ext cx="2924174" cy="2886075"/>
+                    <a:chOff x="800101" y="800100"/>
+                    <a:chExt cx="2924174" cy="2886075"/>
+                  </a:xfrm>
+                </p:grpSpPr>
+                <p:sp>
+                  <p:nvSpPr>
+                    <p:cNvPr id="22" name="83 Elipse"/>
+                    <p:cNvSpPr/>
+                    <p:nvPr/>
+                  </p:nvSpPr>
+                  <p:spPr>
+                    <a:xfrm>
+                      <a:off x="1333500" y="2171700"/>
+                      <a:ext cx="76200" cy="76200"/>
+                    </a:xfrm>
+                    <a:prstGeom prst="ellipse">
+                      <a:avLst/>
+                    </a:prstGeom>
+                  </p:spPr>
+                  <p:style>
+                    <a:lnRef idx="2">
+                      <a:schemeClr val="dk1">
+                        <a:shade val="50000"/>
+                      </a:schemeClr>
+                    </a:lnRef>
+                    <a:fillRef idx="1">
+                      <a:schemeClr val="dk1"/>
+                    </a:fillRef>
+                    <a:effectRef idx="0">
+                      <a:schemeClr val="dk1"/>
+                    </a:effectRef>
+                    <a:fontRef idx="minor">
+                      <a:schemeClr val="lt1"/>
+                    </a:fontRef>
+                  </p:style>
+                  <p:txBody>
+                    <a:bodyPr rot="0" spcFirstLastPara="0" vert="horz" wrap="square" lIns="91440" tIns="45720" rIns="91440" bIns="45720" numCol="1" spcCol="0" rtlCol="0" fromWordArt="0" anchor="ctr" anchorCtr="0" forceAA="0" compatLnSpc="1">
+                      <a:prstTxWarp prst="textNoShape">
+                        <a:avLst/>
+                      </a:prstTxWarp>
+                      <a:noAutofit/>
+                    </a:bodyPr>
+                    <a:lstStyle/>
+                    <a:p>
+                      <a:endParaRPr lang="es-ES"/>
+                    </a:p>
+                  </p:txBody>
+                </p:sp>
+                <p:grpSp>
+                  <p:nvGrpSpPr>
+                    <p:cNvPr id="23" name="84 Grupo"/>
+                    <p:cNvGrpSpPr/>
+                    <p:nvPr/>
+                  </p:nvGrpSpPr>
+                  <p:grpSpPr>
+                    <a:xfrm>
+                      <a:off x="800101" y="800100"/>
+                      <a:ext cx="2924174" cy="2886075"/>
+                      <a:chOff x="800101" y="800100"/>
+                      <a:chExt cx="2924174" cy="2886075"/>
+                    </a:xfrm>
+                  </p:grpSpPr>
+                  <p:grpSp>
+                    <p:nvGrpSpPr>
+                      <p:cNvPr id="24" name="85 Grupo"/>
+                      <p:cNvGrpSpPr/>
+                      <p:nvPr/>
+                    </p:nvGrpSpPr>
+                    <p:grpSpPr>
+                      <a:xfrm>
+                        <a:off x="800101" y="800100"/>
+                        <a:ext cx="2924174" cy="2886075"/>
+                        <a:chOff x="800101" y="800100"/>
+                        <a:chExt cx="2924174" cy="2886075"/>
+                      </a:xfrm>
+                    </p:grpSpPr>
+                    <p:cxnSp>
+                      <p:nvCxnSpPr>
+                        <p:cNvPr id="32" name="89 Conector recto"/>
+                        <p:cNvCxnSpPr/>
+                        <p:nvPr/>
+                      </p:nvCxnSpPr>
+                      <p:spPr>
+                        <a:xfrm>
+                          <a:off x="895350" y="800100"/>
+                          <a:ext cx="0" cy="2886075"/>
+                        </a:xfrm>
+                        <a:prstGeom prst="line">
+                          <a:avLst/>
+                        </a:prstGeom>
+                      </p:spPr>
+                      <p:style>
+                        <a:lnRef idx="1">
+                          <a:schemeClr val="dk1"/>
+                        </a:lnRef>
+                        <a:fillRef idx="0">
+                          <a:schemeClr val="dk1"/>
+                        </a:fillRef>
+                        <a:effectRef idx="0">
+                          <a:schemeClr val="dk1"/>
+                        </a:effectRef>
+                        <a:fontRef idx="minor">
+                          <a:schemeClr val="tx1"/>
+                        </a:fontRef>
+                      </p:style>
+                    </p:cxnSp>
+                    <p:cxnSp>
+                      <p:nvCxnSpPr>
+                        <p:cNvPr id="33" name="90 Conector recto"/>
+                        <p:cNvCxnSpPr/>
+                        <p:nvPr/>
+                      </p:nvCxnSpPr>
+                      <p:spPr>
+                        <a:xfrm>
+                          <a:off x="1819275" y="800100"/>
+                          <a:ext cx="0" cy="2886075"/>
+                        </a:xfrm>
+                        <a:prstGeom prst="line">
+                          <a:avLst/>
+                        </a:prstGeom>
+                      </p:spPr>
+                      <p:style>
+                        <a:lnRef idx="1">
+                          <a:schemeClr val="dk1"/>
+                        </a:lnRef>
+                        <a:fillRef idx="0">
+                          <a:schemeClr val="dk1"/>
+                        </a:fillRef>
+                        <a:effectRef idx="0">
+                          <a:schemeClr val="dk1"/>
+                        </a:effectRef>
+                        <a:fontRef idx="minor">
+                          <a:schemeClr val="tx1"/>
+                        </a:fontRef>
+                      </p:style>
+                    </p:cxnSp>
+                    <p:cxnSp>
+                      <p:nvCxnSpPr>
+                        <p:cNvPr id="34" name="91 Conector recto"/>
+                        <p:cNvCxnSpPr/>
+                        <p:nvPr/>
+                      </p:nvCxnSpPr>
+                      <p:spPr>
+                        <a:xfrm>
+                          <a:off x="2714625" y="800100"/>
+                          <a:ext cx="0" cy="2886075"/>
+                        </a:xfrm>
+                        <a:prstGeom prst="line">
+                          <a:avLst/>
+                        </a:prstGeom>
+                      </p:spPr>
+                      <p:style>
+                        <a:lnRef idx="1">
+                          <a:schemeClr val="dk1"/>
+                        </a:lnRef>
+                        <a:fillRef idx="0">
+                          <a:schemeClr val="dk1"/>
+                        </a:fillRef>
+                        <a:effectRef idx="0">
+                          <a:schemeClr val="dk1"/>
+                        </a:effectRef>
+                        <a:fontRef idx="minor">
+                          <a:schemeClr val="tx1"/>
+                        </a:fontRef>
+                      </p:style>
+                    </p:cxnSp>
+                    <p:cxnSp>
+                      <p:nvCxnSpPr>
+                        <p:cNvPr id="35" name="92 Conector recto"/>
+                        <p:cNvCxnSpPr/>
+                        <p:nvPr/>
+                      </p:nvCxnSpPr>
+                      <p:spPr>
+                        <a:xfrm>
+                          <a:off x="3609975" y="800100"/>
+                          <a:ext cx="0" cy="2886075"/>
+                        </a:xfrm>
+                        <a:prstGeom prst="line">
+                          <a:avLst/>
+                        </a:prstGeom>
+                      </p:spPr>
+                      <p:style>
+                        <a:lnRef idx="1">
+                          <a:schemeClr val="dk1"/>
+                        </a:lnRef>
+                        <a:fillRef idx="0">
+                          <a:schemeClr val="dk1"/>
+                        </a:fillRef>
+                        <a:effectRef idx="0">
+                          <a:schemeClr val="dk1"/>
+                        </a:effectRef>
+                        <a:fontRef idx="minor">
+                          <a:schemeClr val="tx1"/>
+                        </a:fontRef>
+                      </p:style>
+                    </p:cxnSp>
+                    <p:cxnSp>
+                      <p:nvCxnSpPr>
+                        <p:cNvPr id="36" name="94 Conector recto"/>
+                        <p:cNvCxnSpPr/>
+                        <p:nvPr/>
+                      </p:nvCxnSpPr>
+                      <p:spPr>
+                        <a:xfrm flipH="1">
+                          <a:off x="800101" y="885825"/>
+                          <a:ext cx="2924174" cy="0"/>
+                        </a:xfrm>
+                        <a:prstGeom prst="line">
+                          <a:avLst/>
+                        </a:prstGeom>
+                      </p:spPr>
+                      <p:style>
+                        <a:lnRef idx="1">
+                          <a:schemeClr val="dk1"/>
+                        </a:lnRef>
+                        <a:fillRef idx="0">
+                          <a:schemeClr val="dk1"/>
+                        </a:fillRef>
+                        <a:effectRef idx="0">
+                          <a:schemeClr val="dk1"/>
+                        </a:effectRef>
+                        <a:fontRef idx="minor">
+                          <a:schemeClr val="tx1"/>
+                        </a:fontRef>
+                      </p:style>
+                    </p:cxnSp>
+                    <p:cxnSp>
+                      <p:nvCxnSpPr>
+                        <p:cNvPr id="37" name="95 Conector recto"/>
+                        <p:cNvCxnSpPr/>
+                        <p:nvPr/>
+                      </p:nvCxnSpPr>
+                      <p:spPr>
+                        <a:xfrm flipH="1">
+                          <a:off x="800101" y="1752600"/>
+                          <a:ext cx="2924173" cy="0"/>
+                        </a:xfrm>
+                        <a:prstGeom prst="line">
+                          <a:avLst/>
+                        </a:prstGeom>
+                      </p:spPr>
+                      <p:style>
+                        <a:lnRef idx="1">
+                          <a:schemeClr val="dk1"/>
+                        </a:lnRef>
+                        <a:fillRef idx="0">
+                          <a:schemeClr val="dk1"/>
+                        </a:fillRef>
+                        <a:effectRef idx="0">
+                          <a:schemeClr val="dk1"/>
+                        </a:effectRef>
+                        <a:fontRef idx="minor">
+                          <a:schemeClr val="tx1"/>
+                        </a:fontRef>
+                      </p:style>
+                    </p:cxnSp>
+                    <p:cxnSp>
+                      <p:nvCxnSpPr>
+                        <p:cNvPr id="38" name="96 Conector recto"/>
+                        <p:cNvCxnSpPr/>
+                        <p:nvPr/>
+                      </p:nvCxnSpPr>
+                      <p:spPr>
+                        <a:xfrm flipH="1">
+                          <a:off x="800101" y="2676525"/>
+                          <a:ext cx="2924172" cy="0"/>
+                        </a:xfrm>
+                        <a:prstGeom prst="line">
+                          <a:avLst/>
+                        </a:prstGeom>
+                      </p:spPr>
+                      <p:style>
+                        <a:lnRef idx="1">
+                          <a:schemeClr val="dk1"/>
+                        </a:lnRef>
+                        <a:fillRef idx="0">
+                          <a:schemeClr val="dk1"/>
+                        </a:fillRef>
+                        <a:effectRef idx="0">
+                          <a:schemeClr val="dk1"/>
+                        </a:effectRef>
+                        <a:fontRef idx="minor">
+                          <a:schemeClr val="tx1"/>
+                        </a:fontRef>
+                      </p:style>
+                    </p:cxnSp>
+                    <p:cxnSp>
+                      <p:nvCxnSpPr>
+                        <p:cNvPr id="39" name="97 Conector recto"/>
+                        <p:cNvCxnSpPr/>
+                        <p:nvPr/>
+                      </p:nvCxnSpPr>
+                      <p:spPr>
+                        <a:xfrm flipH="1">
+                          <a:off x="800101" y="3581400"/>
+                          <a:ext cx="2923539" cy="0"/>
+                        </a:xfrm>
+                        <a:prstGeom prst="line">
+                          <a:avLst/>
+                        </a:prstGeom>
+                      </p:spPr>
+                      <p:style>
+                        <a:lnRef idx="1">
+                          <a:schemeClr val="dk1"/>
+                        </a:lnRef>
+                        <a:fillRef idx="0">
+                          <a:schemeClr val="dk1"/>
+                        </a:fillRef>
+                        <a:effectRef idx="0">
+                          <a:schemeClr val="dk1"/>
+                        </a:effectRef>
+                        <a:fontRef idx="minor">
+                          <a:schemeClr val="tx1"/>
+                        </a:fontRef>
+                      </p:style>
+                    </p:cxnSp>
+                  </p:grpSp>
+                  <p:sp>
+                    <p:nvSpPr>
+                      <p:cNvPr id="25" name="98 Elipse"/>
+                      <p:cNvSpPr/>
+                      <p:nvPr/>
+                    </p:nvSpPr>
+                    <p:spPr>
+                      <a:xfrm>
+                        <a:off x="1333500" y="1285875"/>
+                        <a:ext cx="76200" cy="76200"/>
+                      </a:xfrm>
+                      <a:prstGeom prst="ellipse">
+                        <a:avLst/>
+                      </a:prstGeom>
+                    </p:spPr>
+                    <p:style>
+                      <a:lnRef idx="2">
+                        <a:schemeClr val="dk1">
+                          <a:shade val="50000"/>
+                        </a:schemeClr>
+                      </a:lnRef>
+                      <a:fillRef idx="1">
+                        <a:schemeClr val="dk1"/>
+                      </a:fillRef>
+                      <a:effectRef idx="0">
+                        <a:schemeClr val="dk1"/>
+                      </a:effectRef>
+                      <a:fontRef idx="minor">
+                        <a:schemeClr val="lt1"/>
+                      </a:fontRef>
+                    </p:style>
+                    <p:txBody>
+                      <a:bodyPr rot="0" spcFirstLastPara="0" vert="horz" wrap="square" lIns="91440" tIns="45720" rIns="91440" bIns="45720" numCol="1" spcCol="0" rtlCol="0" fromWordArt="0" anchor="ctr" anchorCtr="0" forceAA="0" compatLnSpc="1">
+                        <a:prstTxWarp prst="textNoShape">
+                          <a:avLst/>
+                        </a:prstTxWarp>
+                        <a:noAutofit/>
+                      </a:bodyPr>
+                      <a:lstStyle/>
+                      <a:p>
+                        <a:endParaRPr lang="es-ES"/>
+                      </a:p>
+                    </p:txBody>
+                  </p:sp>
+                  <p:sp>
+                    <p:nvSpPr>
+                      <p:cNvPr id="26" name="99 Elipse"/>
+                      <p:cNvSpPr/>
+                      <p:nvPr/>
+                    </p:nvSpPr>
+                    <p:spPr>
+                      <a:xfrm>
+                        <a:off x="2228850" y="1285875"/>
+                        <a:ext cx="76200" cy="76200"/>
+                      </a:xfrm>
+                      <a:prstGeom prst="ellipse">
+                        <a:avLst/>
+                      </a:prstGeom>
+                    </p:spPr>
+                    <p:style>
+                      <a:lnRef idx="2">
+                        <a:schemeClr val="dk1">
+                          <a:shade val="50000"/>
+                        </a:schemeClr>
+                      </a:lnRef>
+                      <a:fillRef idx="1">
+                        <a:schemeClr val="dk1"/>
+                      </a:fillRef>
+                      <a:effectRef idx="0">
+                        <a:schemeClr val="dk1"/>
+                      </a:effectRef>
+                      <a:fontRef idx="minor">
+                        <a:schemeClr val="lt1"/>
+                      </a:fontRef>
+                    </p:style>
+                    <p:txBody>
+                      <a:bodyPr rot="0" spcFirstLastPara="0" vert="horz" wrap="square" lIns="91440" tIns="45720" rIns="91440" bIns="45720" numCol="1" spcCol="0" rtlCol="0" fromWordArt="0" anchor="ctr" anchorCtr="0" forceAA="0" compatLnSpc="1">
+                        <a:prstTxWarp prst="textNoShape">
+                          <a:avLst/>
+                        </a:prstTxWarp>
+                        <a:noAutofit/>
+                      </a:bodyPr>
+                      <a:lstStyle/>
+                      <a:p>
+                        <a:endParaRPr lang="es-ES"/>
+                      </a:p>
+                    </p:txBody>
+                  </p:sp>
+                  <p:sp>
+                    <p:nvSpPr>
+                      <p:cNvPr id="27" name="101 Elipse"/>
+                      <p:cNvSpPr/>
+                      <p:nvPr/>
+                    </p:nvSpPr>
+                    <p:spPr>
+                      <a:xfrm>
+                        <a:off x="3143250" y="1285875"/>
+                        <a:ext cx="76200" cy="76200"/>
+                      </a:xfrm>
+                      <a:prstGeom prst="ellipse">
+                        <a:avLst/>
+                      </a:prstGeom>
+                    </p:spPr>
+                    <p:style>
+                      <a:lnRef idx="2">
+                        <a:schemeClr val="dk1">
+                          <a:shade val="50000"/>
+                        </a:schemeClr>
+                      </a:lnRef>
+                      <a:fillRef idx="1">
+                        <a:schemeClr val="dk1"/>
+                      </a:fillRef>
+                      <a:effectRef idx="0">
+                        <a:schemeClr val="dk1"/>
+                      </a:effectRef>
+                      <a:fontRef idx="minor">
+                        <a:schemeClr val="lt1"/>
+                      </a:fontRef>
+                    </p:style>
+                    <p:txBody>
+                      <a:bodyPr rot="0" spcFirstLastPara="0" vert="horz" wrap="square" lIns="91440" tIns="45720" rIns="91440" bIns="45720" numCol="1" spcCol="0" rtlCol="0" fromWordArt="0" anchor="ctr" anchorCtr="0" forceAA="0" compatLnSpc="1">
+                        <a:prstTxWarp prst="textNoShape">
+                          <a:avLst/>
+                        </a:prstTxWarp>
+                        <a:noAutofit/>
+                      </a:bodyPr>
+                      <a:lstStyle/>
+                      <a:p>
+                        <a:endParaRPr lang="es-ES"/>
+                      </a:p>
+                    </p:txBody>
+                  </p:sp>
+                  <p:sp>
+                    <p:nvSpPr>
+                      <p:cNvPr id="28" name="109 Elipse"/>
+                      <p:cNvSpPr/>
+                      <p:nvPr/>
+                    </p:nvSpPr>
+                    <p:spPr>
+                      <a:xfrm>
+                        <a:off x="2228850" y="2171700"/>
+                        <a:ext cx="76200" cy="76200"/>
+                      </a:xfrm>
+                      <a:prstGeom prst="ellipse">
+                        <a:avLst/>
+                      </a:prstGeom>
+                    </p:spPr>
+                    <p:style>
+                      <a:lnRef idx="2">
+                        <a:schemeClr val="dk1">
+                          <a:shade val="50000"/>
+                        </a:schemeClr>
+                      </a:lnRef>
+                      <a:fillRef idx="1">
+                        <a:schemeClr val="dk1"/>
+                      </a:fillRef>
+                      <a:effectRef idx="0">
+                        <a:schemeClr val="dk1"/>
+                      </a:effectRef>
+                      <a:fontRef idx="minor">
+                        <a:schemeClr val="lt1"/>
+                      </a:fontRef>
+                    </p:style>
+                    <p:txBody>
+                      <a:bodyPr rot="0" spcFirstLastPara="0" vert="horz" wrap="square" lIns="91440" tIns="45720" rIns="91440" bIns="45720" numCol="1" spcCol="0" rtlCol="0" fromWordArt="0" anchor="ctr" anchorCtr="0" forceAA="0" compatLnSpc="1">
+                        <a:prstTxWarp prst="textNoShape">
+                          <a:avLst/>
+                        </a:prstTxWarp>
+                        <a:noAutofit/>
+                      </a:bodyPr>
+                      <a:lstStyle/>
+                      <a:p>
+                        <a:endParaRPr lang="es-ES"/>
+                      </a:p>
+                    </p:txBody>
+                  </p:sp>
+                  <p:sp>
+                    <p:nvSpPr>
+                      <p:cNvPr id="29" name="112 Elipse"/>
+                      <p:cNvSpPr/>
+                      <p:nvPr/>
+                    </p:nvSpPr>
+                    <p:spPr>
+                      <a:xfrm>
+                        <a:off x="1333500" y="3076575"/>
+                        <a:ext cx="76200" cy="76200"/>
+                      </a:xfrm>
+                      <a:prstGeom prst="ellipse">
+                        <a:avLst/>
+                      </a:prstGeom>
+                    </p:spPr>
+                    <p:style>
+                      <a:lnRef idx="2">
+                        <a:schemeClr val="dk1">
+                          <a:shade val="50000"/>
+                        </a:schemeClr>
+                      </a:lnRef>
+                      <a:fillRef idx="1">
+                        <a:schemeClr val="dk1"/>
+                      </a:fillRef>
+                      <a:effectRef idx="0">
+                        <a:schemeClr val="dk1"/>
+                      </a:effectRef>
+                      <a:fontRef idx="minor">
+                        <a:schemeClr val="lt1"/>
+                      </a:fontRef>
+                    </p:style>
+                    <p:txBody>
+                      <a:bodyPr rot="0" spcFirstLastPara="0" vert="horz" wrap="square" lIns="91440" tIns="45720" rIns="91440" bIns="45720" numCol="1" spcCol="0" rtlCol="0" fromWordArt="0" anchor="ctr" anchorCtr="0" forceAA="0" compatLnSpc="1">
+                        <a:prstTxWarp prst="textNoShape">
+                          <a:avLst/>
+                        </a:prstTxWarp>
+                        <a:noAutofit/>
+                      </a:bodyPr>
+                      <a:lstStyle/>
+                      <a:p>
+                        <a:endParaRPr lang="es-ES"/>
+                      </a:p>
+                    </p:txBody>
+                  </p:sp>
+                  <p:sp>
+                    <p:nvSpPr>
+                      <p:cNvPr id="30" name="113 Elipse"/>
+                      <p:cNvSpPr/>
+                      <p:nvPr/>
+                    </p:nvSpPr>
+                    <p:spPr>
+                      <a:xfrm>
+                        <a:off x="2228850" y="3076575"/>
+                        <a:ext cx="76200" cy="76200"/>
+                      </a:xfrm>
+                      <a:prstGeom prst="ellipse">
+                        <a:avLst/>
+                      </a:prstGeom>
+                    </p:spPr>
+                    <p:style>
+                      <a:lnRef idx="2">
+                        <a:schemeClr val="dk1">
+                          <a:shade val="50000"/>
+                        </a:schemeClr>
+                      </a:lnRef>
+                      <a:fillRef idx="1">
+                        <a:schemeClr val="dk1"/>
+                      </a:fillRef>
+                      <a:effectRef idx="0">
+                        <a:schemeClr val="dk1"/>
+                      </a:effectRef>
+                      <a:fontRef idx="minor">
+                        <a:schemeClr val="lt1"/>
+                      </a:fontRef>
+                    </p:style>
+                    <p:txBody>
+                      <a:bodyPr rot="0" spcFirstLastPara="0" vert="horz" wrap="square" lIns="91440" tIns="45720" rIns="91440" bIns="45720" numCol="1" spcCol="0" rtlCol="0" fromWordArt="0" anchor="ctr" anchorCtr="0" forceAA="0" compatLnSpc="1">
+                        <a:prstTxWarp prst="textNoShape">
+                          <a:avLst/>
+                        </a:prstTxWarp>
+                        <a:noAutofit/>
+                      </a:bodyPr>
+                      <a:lstStyle/>
+                      <a:p>
+                        <a:endParaRPr lang="es-ES"/>
+                      </a:p>
+                    </p:txBody>
+                  </p:sp>
+                  <p:sp>
+                    <p:nvSpPr>
+                      <p:cNvPr id="31" name="114 Elipse"/>
+                      <p:cNvSpPr/>
+                      <p:nvPr/>
+                    </p:nvSpPr>
+                    <p:spPr>
+                      <a:xfrm>
+                        <a:off x="3143250" y="3076575"/>
+                        <a:ext cx="76200" cy="76200"/>
+                      </a:xfrm>
+                      <a:prstGeom prst="ellipse">
+                        <a:avLst/>
+                      </a:prstGeom>
+                    </p:spPr>
+                    <p:style>
+                      <a:lnRef idx="2">
+                        <a:schemeClr val="dk1">
+                          <a:shade val="50000"/>
+                        </a:schemeClr>
+                      </a:lnRef>
+                      <a:fillRef idx="1">
+                        <a:schemeClr val="dk1"/>
+                      </a:fillRef>
+                      <a:effectRef idx="0">
+                        <a:schemeClr val="dk1"/>
+                      </a:effectRef>
+                      <a:fontRef idx="minor">
+                        <a:schemeClr val="lt1"/>
+                      </a:fontRef>
+                    </p:style>
+                    <p:txBody>
+                      <a:bodyPr rot="0" spcFirstLastPara="0" vert="horz" wrap="square" lIns="91440" tIns="45720" rIns="91440" bIns="45720" numCol="1" spcCol="0" rtlCol="0" fromWordArt="0" anchor="ctr" anchorCtr="0" forceAA="0" compatLnSpc="1">
+                        <a:prstTxWarp prst="textNoShape">
+                          <a:avLst/>
+                        </a:prstTxWarp>
+                        <a:noAutofit/>
+                      </a:bodyPr>
+                      <a:lstStyle/>
+                      <a:p>
+                        <a:endParaRPr lang="es-ES"/>
+                      </a:p>
+                    </p:txBody>
+                  </p:sp>
+                </p:grpSp>
+              </p:grpSp>
+            </p:grpSp>
+            <p:sp>
+              <p:nvSpPr>
+                <p:cNvPr id="16" name="121 Cuadro de texto"/>
+                <p:cNvSpPr txBox="1"/>
+                <p:nvPr/>
+              </p:nvSpPr>
+              <p:spPr>
+                <a:xfrm>
+                  <a:off x="2133600" y="1819275"/>
+                  <a:ext cx="457200" cy="352425"/>
+                </a:xfrm>
+                <a:prstGeom prst="rect">
+                  <a:avLst/>
+                </a:prstGeom>
+                <a:noFill/>
+                <a:ln w="6350">
+                  <a:noFill/>
+                </a:ln>
+                <a:effectLst/>
+              </p:spPr>
+              <p:style>
+                <a:lnRef idx="0">
+                  <a:schemeClr val="accent1"/>
+                </a:lnRef>
+                <a:fillRef idx="0">
+                  <a:schemeClr val="accent1"/>
+                </a:fillRef>
+                <a:effectRef idx="0">
+                  <a:schemeClr val="accent1"/>
+                </a:effectRef>
+                <a:fontRef idx="minor">
+                  <a:schemeClr val="dk1"/>
+                </a:fontRef>
+              </p:style>
+              <p:txBody>
+                <a:bodyPr rot="0" spcFirstLastPara="0" vert="horz" wrap="square" lIns="91440" tIns="45720" rIns="91440" bIns="45720" numCol="1" spcCol="0" rtlCol="0" fromWordArt="0" anchor="t" anchorCtr="0" forceAA="0" compatLnSpc="1">
+                  <a:prstTxWarp prst="textNoShape">
+                    <a:avLst/>
+                  </a:prstTxWarp>
+                  <a:noAutofit/>
+                </a:bodyPr>
+                <a:lstStyle/>
+                <a:p>
+                  <a:pPr>
+                    <a:lnSpc>
+                      <a:spcPct val="115000"/>
+                    </a:lnSpc>
+                    <a:spcAft>
+                      <a:spcPts val="1000"/>
+                    </a:spcAft>
+                  </a:pPr>
+                  <a:r>
+                    <a:rPr lang="es-ES" sz="1400" dirty="0">
+                      <a:effectLst/>
+                      <a:ea typeface="Calibri"/>
+                      <a:cs typeface="Times New Roman"/>
+                    </a:rPr>
+                    <a:t>P</a:t>
+                  </a:r>
+                  <a:endParaRPr lang="es-ES" sz="1100" dirty="0">
+                    <a:effectLst/>
+                    <a:ea typeface="Calibri"/>
+                    <a:cs typeface="Times New Roman"/>
+                  </a:endParaRPr>
+                </a:p>
+              </p:txBody>
+            </p:sp>
+            <p:sp>
+              <p:nvSpPr>
+                <p:cNvPr id="17" name="122 Cuadro de texto"/>
+                <p:cNvSpPr txBox="1"/>
+                <p:nvPr/>
+              </p:nvSpPr>
+              <p:spPr>
+                <a:xfrm>
+                  <a:off x="1181100" y="1819275"/>
+                  <a:ext cx="457200" cy="352425"/>
+                </a:xfrm>
+                <a:prstGeom prst="rect">
+                  <a:avLst/>
+                </a:prstGeom>
+                <a:noFill/>
+                <a:ln w="6350">
+                  <a:noFill/>
+                </a:ln>
+                <a:effectLst/>
+              </p:spPr>
+              <p:style>
+                <a:lnRef idx="0">
+                  <a:schemeClr val="accent1"/>
+                </a:lnRef>
+                <a:fillRef idx="0">
+                  <a:schemeClr val="accent1"/>
+                </a:fillRef>
+                <a:effectRef idx="0">
+                  <a:schemeClr val="accent1"/>
+                </a:effectRef>
+                <a:fontRef idx="minor">
+                  <a:schemeClr val="dk1"/>
+                </a:fontRef>
+              </p:style>
+              <p:txBody>
+                <a:bodyPr rot="0" spcFirstLastPara="0" vert="horz" wrap="square" lIns="91440" tIns="45720" rIns="91440" bIns="45720" numCol="1" spcCol="0" rtlCol="0" fromWordArt="0" anchor="t" anchorCtr="0" forceAA="0" compatLnSpc="1">
+                  <a:prstTxWarp prst="textNoShape">
+                    <a:avLst/>
+                  </a:prstTxWarp>
+                  <a:noAutofit/>
+                </a:bodyPr>
+                <a:lstStyle/>
+                <a:p>
+                  <a:pPr>
+                    <a:lnSpc>
+                      <a:spcPct val="115000"/>
+                    </a:lnSpc>
+                    <a:spcAft>
+                      <a:spcPts val="1000"/>
+                    </a:spcAft>
+                  </a:pPr>
+                  <a:r>
+                    <a:rPr lang="es-ES" sz="1400">
+                      <a:effectLst/>
+                      <a:ea typeface="Calibri"/>
+                      <a:cs typeface="Times New Roman"/>
+                    </a:rPr>
+                    <a:t>W</a:t>
+                  </a:r>
+                  <a:endParaRPr lang="es-ES" sz="1100">
+                    <a:effectLst/>
+                    <a:ea typeface="Calibri"/>
+                    <a:cs typeface="Times New Roman"/>
+                  </a:endParaRPr>
+                </a:p>
+              </p:txBody>
+            </p:sp>
+            <p:sp>
+              <p:nvSpPr>
+                <p:cNvPr id="18" name="123 Cuadro de texto"/>
+                <p:cNvSpPr txBox="1"/>
+                <p:nvPr/>
+              </p:nvSpPr>
+              <p:spPr>
+                <a:xfrm>
+                  <a:off x="3038475" y="1819275"/>
+                  <a:ext cx="457200" cy="352425"/>
+                </a:xfrm>
+                <a:prstGeom prst="rect">
+                  <a:avLst/>
+                </a:prstGeom>
+                <a:noFill/>
+                <a:ln w="6350">
+                  <a:noFill/>
+                </a:ln>
+                <a:effectLst/>
+              </p:spPr>
+              <p:style>
+                <a:lnRef idx="0">
+                  <a:schemeClr val="accent1"/>
+                </a:lnRef>
+                <a:fillRef idx="0">
+                  <a:schemeClr val="accent1"/>
+                </a:fillRef>
+                <a:effectRef idx="0">
+                  <a:schemeClr val="accent1"/>
+                </a:effectRef>
+                <a:fontRef idx="minor">
+                  <a:schemeClr val="dk1"/>
+                </a:fontRef>
+              </p:style>
+              <p:txBody>
+                <a:bodyPr rot="0" spcFirstLastPara="0" vert="horz" wrap="square" lIns="91440" tIns="45720" rIns="91440" bIns="45720" numCol="1" spcCol="0" rtlCol="0" fromWordArt="0" anchor="t" anchorCtr="0" forceAA="0" compatLnSpc="1">
+                  <a:prstTxWarp prst="textNoShape">
+                    <a:avLst/>
+                  </a:prstTxWarp>
+                  <a:noAutofit/>
+                </a:bodyPr>
+                <a:lstStyle/>
+                <a:p>
+                  <a:pPr>
+                    <a:lnSpc>
+                      <a:spcPct val="115000"/>
+                    </a:lnSpc>
+                    <a:spcAft>
+                      <a:spcPts val="1000"/>
+                    </a:spcAft>
+                  </a:pPr>
+                  <a:r>
+                    <a:rPr lang="es-ES" sz="1400">
+                      <a:effectLst/>
+                      <a:ea typeface="Calibri"/>
+                      <a:cs typeface="Times New Roman"/>
+                    </a:rPr>
+                    <a:t>E</a:t>
+                  </a:r>
+                  <a:endParaRPr lang="es-ES" sz="1100">
+                    <a:effectLst/>
+                    <a:ea typeface="Calibri"/>
+                    <a:cs typeface="Times New Roman"/>
+                  </a:endParaRPr>
+                </a:p>
+              </p:txBody>
+            </p:sp>
+            <p:sp>
+              <p:nvSpPr>
+                <p:cNvPr id="19" name="124 Cuadro de texto"/>
+                <p:cNvSpPr txBox="1"/>
+                <p:nvPr/>
+              </p:nvSpPr>
+              <p:spPr>
+                <a:xfrm>
+                  <a:off x="2133600" y="2800350"/>
+                  <a:ext cx="457200" cy="352425"/>
+                </a:xfrm>
+                <a:prstGeom prst="rect">
+                  <a:avLst/>
+                </a:prstGeom>
+                <a:noFill/>
+                <a:ln w="6350">
+                  <a:noFill/>
+                </a:ln>
+                <a:effectLst/>
+              </p:spPr>
+              <p:style>
+                <a:lnRef idx="0">
+                  <a:schemeClr val="accent1"/>
+                </a:lnRef>
+                <a:fillRef idx="0">
+                  <a:schemeClr val="accent1"/>
+                </a:fillRef>
+                <a:effectRef idx="0">
+                  <a:schemeClr val="accent1"/>
+                </a:effectRef>
+                <a:fontRef idx="minor">
+                  <a:schemeClr val="dk1"/>
+                </a:fontRef>
+              </p:style>
+              <p:txBody>
+                <a:bodyPr rot="0" spcFirstLastPara="0" vert="horz" wrap="square" lIns="91440" tIns="45720" rIns="91440" bIns="45720" numCol="1" spcCol="0" rtlCol="0" fromWordArt="0" anchor="t" anchorCtr="0" forceAA="0" compatLnSpc="1">
+                  <a:prstTxWarp prst="textNoShape">
+                    <a:avLst/>
+                  </a:prstTxWarp>
+                  <a:noAutofit/>
+                </a:bodyPr>
+                <a:lstStyle/>
+                <a:p>
+                  <a:pPr>
+                    <a:lnSpc>
+                      <a:spcPct val="115000"/>
+                    </a:lnSpc>
+                    <a:spcAft>
+                      <a:spcPts val="1000"/>
+                    </a:spcAft>
+                  </a:pPr>
+                  <a:r>
+                    <a:rPr lang="es-ES" sz="1400">
+                      <a:effectLst/>
+                      <a:ea typeface="Calibri"/>
+                      <a:cs typeface="Times New Roman"/>
+                    </a:rPr>
+                    <a:t>S</a:t>
+                  </a:r>
+                  <a:endParaRPr lang="es-ES" sz="1100">
+                    <a:effectLst/>
+                    <a:ea typeface="Calibri"/>
+                    <a:cs typeface="Times New Roman"/>
+                  </a:endParaRPr>
+                </a:p>
+              </p:txBody>
+            </p:sp>
+          </p:grpSp>
+        </p:grpSp>
+        <p:sp>
+          <p:nvSpPr>
+            <p:cNvPr id="153" name="121 Cuadro de texto"/>
+            <p:cNvSpPr txBox="1"/>
+            <p:nvPr/>
+          </p:nvSpPr>
+          <p:spPr>
+            <a:xfrm>
+              <a:off x="1866848" y="2263145"/>
+              <a:ext cx="457101" cy="352425"/>
+            </a:xfrm>
+            <a:prstGeom prst="rect">
+              <a:avLst/>
+            </a:prstGeom>
+            <a:noFill/>
+            <a:ln w="6350">
+              <a:noFill/>
+            </a:ln>
+            <a:effectLst/>
+          </p:spPr>
+          <p:style>
+            <a:lnRef idx="0">
+              <a:schemeClr val="accent1"/>
+            </a:lnRef>
+            <a:fillRef idx="0">
+              <a:schemeClr val="accent1"/>
+            </a:fillRef>
+            <a:effectRef idx="0">
+              <a:schemeClr val="accent1"/>
+            </a:effectRef>
+            <a:fontRef idx="minor">
+              <a:schemeClr val="dk1"/>
+            </a:fontRef>
+          </p:style>
+          <p:txBody>
+            <a:bodyPr rot="0" spcFirstLastPara="0" vert="horz" wrap="square" lIns="91440" tIns="45720" rIns="91440" bIns="45720" numCol="1" spcCol="0" rtlCol="0" fromWordArt="0" anchor="t" anchorCtr="0" forceAA="0" compatLnSpc="1">
+              <a:prstTxWarp prst="textNoShape">
+                <a:avLst/>
+              </a:prstTxWarp>
+              <a:noAutofit/>
+            </a:bodyPr>
+            <a:lstStyle/>
+            <a:p>
+              <a:pPr>
+                <a:lnSpc>
+                  <a:spcPct val="115000"/>
+                </a:lnSpc>
+                <a:spcAft>
+                  <a:spcPts val="1000"/>
+                </a:spcAft>
+              </a:pPr>
+              <a:r>
+                <a:rPr lang="es-ES" sz="1400" dirty="0" smtClean="0">
+                  <a:effectLst/>
+                  <a:ea typeface="Calibri"/>
+                  <a:cs typeface="Times New Roman"/>
+                </a:rPr>
+                <a:t>N</a:t>
+              </a:r>
+              <a:endParaRPr lang="es-ES" sz="1100" dirty="0">
+                <a:effectLst/>
+                <a:ea typeface="Calibri"/>
+                <a:cs typeface="Times New Roman"/>
+              </a:endParaRPr>
+            </a:p>
+          </p:txBody>
+        </p:sp>
+      </p:grpSp>
     </p:spTree>
     <p:extLst>
       <p:ext uri="{BB962C8B-B14F-4D97-AF65-F5344CB8AC3E}">
@@ -29261,37 +28553,6 @@
                           </m:r>
                         </m:e>
                       </m:d>
-                      <m:r>
-                        <a:rPr lang="en-GB" sz="2000" i="1">
-                          <a:latin typeface="Cambria Math"/>
-                        </a:rPr>
-                        <m:t>+</m:t>
-                      </m:r>
-                      <m:sSub>
-                        <m:sSubPr>
-                          <m:ctrlPr>
-                            <a:rPr lang="es-ES" sz="2000" i="1">
-                              <a:latin typeface="Cambria Math"/>
-                            </a:rPr>
-                          </m:ctrlPr>
-                        </m:sSubPr>
-                        <m:e>
-                          <m:r>
-                            <a:rPr lang="en-GB" sz="2000" i="1">
-                              <a:latin typeface="Cambria Math"/>
-                            </a:rPr>
-                            <m:t>𝑆</m:t>
-                          </m:r>
-                        </m:e>
-                        <m:sub>
-                          <m:r>
-                            <a:rPr lang="en-GB" sz="2000" i="1">
-                              <a:latin typeface="Cambria Math"/>
-                            </a:rPr>
-                            <m:t>𝜙</m:t>
-                          </m:r>
-                        </m:sub>
-                      </m:sSub>
                     </m:oMath>
                   </m:oMathPara>
                 </a14:m>
@@ -29311,48 +28572,6 @@
               </a:p>
               <a:p>
                 <a:endParaRPr lang="en-GB" sz="2000" dirty="0"/>
-              </a:p>
-              <a:p>
-                <a:r>
-                  <a:rPr lang="en-GB" sz="2000" dirty="0" smtClean="0"/>
-                  <a:t>Interpolation schemes</a:t>
-                </a:r>
-              </a:p>
-              <a:p>
-                <a:pPr lvl="1"/>
-                <a:r>
-                  <a:rPr lang="en-GB" sz="1800" dirty="0" smtClean="0"/>
-                  <a:t>Central differencing scheme (CDS)</a:t>
-                </a:r>
-              </a:p>
-              <a:p>
-                <a:pPr lvl="1"/>
-                <a:r>
-                  <a:rPr lang="en-GB" sz="1800" dirty="0" smtClean="0"/>
-                  <a:t>Upwind scheme (UDS)</a:t>
-                </a:r>
-              </a:p>
-              <a:p>
-                <a:pPr lvl="1"/>
-                <a:r>
-                  <a:rPr lang="en-GB" sz="1800" dirty="0" smtClean="0"/>
-                  <a:t>Exponential scheme (EDS)</a:t>
-                </a:r>
-              </a:p>
-              <a:p>
-                <a:pPr lvl="1"/>
-                <a:r>
-                  <a:rPr lang="en-GB" sz="1800" dirty="0" smtClean="0"/>
-                  <a:t>Hybrid scheme (HDS)</a:t>
-                </a:r>
-              </a:p>
-              <a:p>
-                <a:pPr lvl="1"/>
-                <a:r>
-                  <a:rPr lang="en-GB" sz="1800" dirty="0" smtClean="0"/>
-                  <a:t>Power-law scheme (PLDS)</a:t>
-                </a:r>
-                <a:endParaRPr lang="en-GB" sz="1800" dirty="0"/>
               </a:p>
             </p:txBody>
           </p:sp>
@@ -32296,134 +31515,6 @@
           </a:p>
         </p:txBody>
       </p:sp>
-      <p:pic>
-        <p:nvPicPr>
-          <p:cNvPr id="2050" name="Picture 2"/>
-          <p:cNvPicPr>
-            <a:picLocks noChangeAspect="1" noChangeArrowheads="1"/>
-          </p:cNvPicPr>
-          <p:nvPr/>
-        </p:nvPicPr>
-        <p:blipFill>
-          <a:blip r:embed="rId3">
-            <a:extLst>
-              <a:ext uri="{28A0092B-C50C-407E-A947-70E740481C1C}">
-                <a14:useLocalDpi xmlns:a14="http://schemas.microsoft.com/office/drawing/2010/main" val="0"/>
-              </a:ext>
-            </a:extLst>
-          </a:blip>
-          <a:srcRect/>
-          <a:stretch>
-            <a:fillRect/>
-          </a:stretch>
-        </p:blipFill>
-        <p:spPr bwMode="auto">
-          <a:xfrm>
-            <a:off x="179512" y="1936452"/>
-            <a:ext cx="4488329" cy="3096344"/>
-          </a:xfrm>
-          <a:prstGeom prst="rect">
-            <a:avLst/>
-          </a:prstGeom>
-          <a:noFill/>
-          <a:ln>
-            <a:noFill/>
-          </a:ln>
-          <a:effectLst/>
-          <a:extLst>
-            <a:ext uri="{909E8E84-426E-40DD-AFC4-6F175D3DCCD1}">
-              <a14:hiddenFill xmlns:a14="http://schemas.microsoft.com/office/drawing/2010/main">
-                <a:solidFill>
-                  <a:schemeClr val="accent1"/>
-                </a:solidFill>
-              </a14:hiddenFill>
-            </a:ext>
-            <a:ext uri="{91240B29-F687-4F45-9708-019B960494DF}">
-              <a14:hiddenLine xmlns:a14="http://schemas.microsoft.com/office/drawing/2010/main" w="9525">
-                <a:solidFill>
-                  <a:schemeClr val="tx1"/>
-                </a:solidFill>
-                <a:miter lim="800000"/>
-                <a:headEnd/>
-                <a:tailEnd/>
-              </a14:hiddenLine>
-            </a:ext>
-            <a:ext uri="{AF507438-7753-43E0-B8FC-AC1667EBCBE1}">
-              <a14:hiddenEffects xmlns:a14="http://schemas.microsoft.com/office/drawing/2010/main">
-                <a:effectLst>
-                  <a:outerShdw dist="35921" dir="2700000" algn="ctr" rotWithShape="0">
-                    <a:schemeClr val="bg2"/>
-                  </a:outerShdw>
-                </a:effectLst>
-              </a14:hiddenEffects>
-            </a:ext>
-          </a:extLst>
-        </p:spPr>
-      </p:pic>
-      <p:pic>
-        <p:nvPicPr>
-          <p:cNvPr id="2051" name="Picture 3"/>
-          <p:cNvPicPr>
-            <a:picLocks noChangeAspect="1" noChangeArrowheads="1"/>
-          </p:cNvPicPr>
-          <p:nvPr/>
-        </p:nvPicPr>
-        <p:blipFill>
-          <a:blip r:embed="rId4">
-            <a:extLst>
-              <a:ext uri="{28A0092B-C50C-407E-A947-70E740481C1C}">
-                <a14:useLocalDpi xmlns:a14="http://schemas.microsoft.com/office/drawing/2010/main" val="0"/>
-              </a:ext>
-            </a:extLst>
-          </a:blip>
-          <a:srcRect/>
-          <a:stretch>
-            <a:fillRect/>
-          </a:stretch>
-        </p:blipFill>
-        <p:spPr bwMode="auto">
-          <a:xfrm>
-            <a:off x="4490893" y="3455636"/>
-            <a:ext cx="4574772" cy="3194989"/>
-          </a:xfrm>
-          <a:prstGeom prst="rect">
-            <a:avLst/>
-          </a:prstGeom>
-          <a:noFill/>
-          <a:ln>
-            <a:noFill/>
-          </a:ln>
-          <a:effectLst/>
-          <a:extLst>
-            <a:ext uri="{909E8E84-426E-40DD-AFC4-6F175D3DCCD1}">
-              <a14:hiddenFill xmlns:a14="http://schemas.microsoft.com/office/drawing/2010/main">
-                <a:solidFill>
-                  <a:schemeClr val="accent1"/>
-                </a:solidFill>
-              </a14:hiddenFill>
-            </a:ext>
-            <a:ext uri="{91240B29-F687-4F45-9708-019B960494DF}">
-              <a14:hiddenLine xmlns:a14="http://schemas.microsoft.com/office/drawing/2010/main" w="9525">
-                <a:solidFill>
-                  <a:schemeClr val="tx1"/>
-                </a:solidFill>
-                <a:miter lim="800000"/>
-                <a:headEnd/>
-                <a:tailEnd/>
-              </a14:hiddenLine>
-            </a:ext>
-            <a:ext uri="{AF507438-7753-43E0-B8FC-AC1667EBCBE1}">
-              <a14:hiddenEffects xmlns:a14="http://schemas.microsoft.com/office/drawing/2010/main">
-                <a:effectLst>
-                  <a:outerShdw dist="35921" dir="2700000" algn="ctr" rotWithShape="0">
-                    <a:schemeClr val="bg2"/>
-                  </a:outerShdw>
-                </a:effectLst>
-              </a14:hiddenEffects>
-            </a:ext>
-          </a:extLst>
-        </p:spPr>
-      </p:pic>
       <mc:AlternateContent xmlns:mc="http://schemas.openxmlformats.org/markup-compatibility/2006" xmlns:a14="http://schemas.microsoft.com/office/drawing/2010/main">
         <mc:Choice Requires="a14">
           <p:sp>
@@ -32434,7 +31525,7 @@
             </p:nvSpPr>
             <p:spPr>
               <a:xfrm>
-                <a:off x="551468" y="5378339"/>
+                <a:off x="551468" y="4634115"/>
                 <a:ext cx="3744416" cy="369332"/>
               </a:xfrm>
               <a:prstGeom prst="rect">
@@ -32449,40 +31540,41 @@
               <a:lstStyle/>
               <a:p>
                 <a:pPr algn="ctr"/>
-                <a:r>
-                  <a:rPr lang="en-GB" dirty="0" smtClean="0"/>
-                  <a:t>Output for</a:t>
-                </a:r>
                 <a14:m>
-                  <m:oMath xmlns:m="http://schemas.openxmlformats.org/officeDocument/2006/math">
-                    <m:r>
-                      <a:rPr lang="es-ES" i="1">
-                        <a:latin typeface="Cambria Math"/>
-                      </a:rPr>
-                      <m:t>𝜌</m:t>
-                    </m:r>
-                    <m:r>
-                      <a:rPr lang="es-ES" i="1">
-                        <a:latin typeface="Cambria Math"/>
-                      </a:rPr>
-                      <m:t>/</m:t>
-                    </m:r>
-                    <m:r>
-                      <m:rPr>
-                        <m:sty m:val="p"/>
-                      </m:rPr>
-                      <a:rPr lang="es-ES">
-                        <a:latin typeface="Cambria Math"/>
-                      </a:rPr>
-                      <m:t>Γ</m:t>
-                    </m:r>
-                    <m:r>
-                      <a:rPr lang="es-ES" b="0" i="1" smtClean="0">
-                        <a:latin typeface="Cambria Math"/>
-                      </a:rPr>
-                      <m:t>=10</m:t>
-                    </m:r>
-                  </m:oMath>
+                  <m:oMathPara xmlns:m="http://schemas.openxmlformats.org/officeDocument/2006/math">
+                    <m:oMathParaPr>
+                      <m:jc m:val="centerGroup"/>
+                    </m:oMathParaPr>
+                    <m:oMath xmlns:m="http://schemas.openxmlformats.org/officeDocument/2006/math">
+                      <m:r>
+                        <a:rPr lang="es-ES" i="1">
+                          <a:latin typeface="Cambria Math"/>
+                        </a:rPr>
+                        <m:t>𝜌</m:t>
+                      </m:r>
+                      <m:r>
+                        <a:rPr lang="es-ES" i="1">
+                          <a:latin typeface="Cambria Math"/>
+                        </a:rPr>
+                        <m:t>/</m:t>
+                      </m:r>
+                      <m:r>
+                        <m:rPr>
+                          <m:sty m:val="p"/>
+                        </m:rPr>
+                        <a:rPr lang="es-ES">
+                          <a:latin typeface="Cambria Math"/>
+                        </a:rPr>
+                        <m:t>Γ</m:t>
+                      </m:r>
+                      <m:r>
+                        <a:rPr lang="es-ES" b="0" i="1" smtClean="0">
+                          <a:latin typeface="Cambria Math"/>
+                        </a:rPr>
+                        <m:t>=10</m:t>
+                      </m:r>
+                    </m:oMath>
+                  </m:oMathPara>
                 </a14:m>
                 <a:endParaRPr lang="en-GB" dirty="0"/>
               </a:p>
@@ -32500,16 +31592,16 @@
             </p:nvSpPr>
             <p:spPr>
               <a:xfrm>
-                <a:off x="551468" y="5378339"/>
+                <a:off x="551468" y="4634115"/>
                 <a:ext cx="3744416" cy="369332"/>
               </a:xfrm>
               <a:prstGeom prst="rect">
                 <a:avLst/>
               </a:prstGeom>
               <a:blipFill rotWithShape="1">
-                <a:blip r:embed="rId5"/>
+                <a:blip r:embed="rId3"/>
                 <a:stretch>
-                  <a:fillRect t="-8197" b="-24590"/>
+                  <a:fillRect b="-13115"/>
                 </a:stretch>
               </a:blipFill>
             </p:spPr>
@@ -32538,7 +31630,7 @@
             </p:nvSpPr>
             <p:spPr>
               <a:xfrm>
-                <a:off x="4906071" y="2708920"/>
+                <a:off x="4906070" y="3499908"/>
                 <a:ext cx="3744416" cy="369332"/>
               </a:xfrm>
               <a:prstGeom prst="rect">
@@ -32553,65 +31645,66 @@
               <a:lstStyle/>
               <a:p>
                 <a:pPr algn="ctr"/>
-                <a:r>
-                  <a:rPr lang="en-GB" dirty="0" smtClean="0"/>
-                  <a:t>Output for</a:t>
-                </a:r>
                 <a14:m>
-                  <m:oMath xmlns:m="http://schemas.openxmlformats.org/officeDocument/2006/math">
-                    <m:r>
-                      <a:rPr lang="es-ES" i="1">
-                        <a:latin typeface="Cambria Math"/>
-                      </a:rPr>
-                      <m:t>𝜌</m:t>
-                    </m:r>
-                    <m:r>
-                      <a:rPr lang="es-ES" i="1">
-                        <a:latin typeface="Cambria Math"/>
-                      </a:rPr>
-                      <m:t>/</m:t>
-                    </m:r>
-                    <m:r>
-                      <m:rPr>
-                        <m:sty m:val="p"/>
-                      </m:rPr>
-                      <a:rPr lang="es-ES">
-                        <a:latin typeface="Cambria Math"/>
-                      </a:rPr>
-                      <m:t>Γ</m:t>
-                    </m:r>
-                    <m:r>
-                      <a:rPr lang="es-ES" b="0" i="1" smtClean="0">
-                        <a:latin typeface="Cambria Math"/>
-                      </a:rPr>
-                      <m:t>=</m:t>
-                    </m:r>
-                    <m:sSup>
-                      <m:sSupPr>
-                        <m:ctrlPr>
-                          <a:rPr lang="es-ES" b="0" i="1" smtClean="0">
-                            <a:latin typeface="Cambria Math"/>
-                          </a:rPr>
-                        </m:ctrlPr>
-                      </m:sSupPr>
-                      <m:e>
-                        <m:r>
-                          <a:rPr lang="es-ES" b="0" i="1" smtClean="0">
-                            <a:latin typeface="Cambria Math"/>
-                          </a:rPr>
-                          <m:t>10</m:t>
-                        </m:r>
-                      </m:e>
-                      <m:sup>
-                        <m:r>
-                          <a:rPr lang="es-ES" b="0" i="1" smtClean="0">
-                            <a:latin typeface="Cambria Math"/>
-                          </a:rPr>
-                          <m:t>3</m:t>
-                        </m:r>
-                      </m:sup>
-                    </m:sSup>
-                  </m:oMath>
+                  <m:oMathPara xmlns:m="http://schemas.openxmlformats.org/officeDocument/2006/math">
+                    <m:oMathParaPr>
+                      <m:jc m:val="centerGroup"/>
+                    </m:oMathParaPr>
+                    <m:oMath xmlns:m="http://schemas.openxmlformats.org/officeDocument/2006/math">
+                      <m:r>
+                        <a:rPr lang="es-ES" i="1">
+                          <a:latin typeface="Cambria Math"/>
+                        </a:rPr>
+                        <m:t>𝜌</m:t>
+                      </m:r>
+                      <m:r>
+                        <a:rPr lang="es-ES" i="1">
+                          <a:latin typeface="Cambria Math"/>
+                        </a:rPr>
+                        <m:t>/</m:t>
+                      </m:r>
+                      <m:r>
+                        <m:rPr>
+                          <m:sty m:val="p"/>
+                        </m:rPr>
+                        <a:rPr lang="es-ES">
+                          <a:latin typeface="Cambria Math"/>
+                        </a:rPr>
+                        <m:t>Γ</m:t>
+                      </m:r>
+                      <m:r>
+                        <a:rPr lang="es-ES" b="0" i="1" smtClean="0">
+                          <a:latin typeface="Cambria Math"/>
+                        </a:rPr>
+                        <m:t>=</m:t>
+                      </m:r>
+                      <m:sSup>
+                        <m:sSupPr>
+                          <m:ctrlPr>
+                            <a:rPr lang="es-ES" b="0" i="1" smtClean="0">
+                              <a:latin typeface="Cambria Math"/>
+                            </a:rPr>
+                          </m:ctrlPr>
+                        </m:sSupPr>
+                        <m:e>
+                          <m:r>
+                            <a:rPr lang="es-ES" b="0" i="1" smtClean="0">
+                              <a:latin typeface="Cambria Math"/>
+                            </a:rPr>
+                            <m:t>10</m:t>
+                          </m:r>
+                        </m:e>
+                        <m:sup>
+                          <m:r>
+                            <a:rPr lang="es-ES" b="0" i="1" smtClean="0">
+                              <a:latin typeface="Cambria Math"/>
+                            </a:rPr>
+                            <m:t>3</m:t>
+                          </m:r>
+                        </m:sup>
+                      </m:sSup>
+                    </m:oMath>
+                  </m:oMathPara>
                 </a14:m>
                 <a:endParaRPr lang="en-GB" dirty="0"/>
               </a:p>
@@ -32629,16 +31722,16 @@
             </p:nvSpPr>
             <p:spPr>
               <a:xfrm>
-                <a:off x="4906071" y="2708920"/>
+                <a:off x="4906070" y="3499908"/>
                 <a:ext cx="3744416" cy="369332"/>
               </a:xfrm>
               <a:prstGeom prst="rect">
                 <a:avLst/>
               </a:prstGeom>
               <a:blipFill rotWithShape="1">
-                <a:blip r:embed="rId6"/>
+                <a:blip r:embed="rId4"/>
                 <a:stretch>
-                  <a:fillRect t="-8197" b="-24590"/>
+                  <a:fillRect b="-13115"/>
                 </a:stretch>
               </a:blipFill>
             </p:spPr>
@@ -32695,6 +31788,134 @@
           </a:p>
         </p:txBody>
       </p:sp>
+      <p:pic>
+        <p:nvPicPr>
+          <p:cNvPr id="1026" name="Picture 2"/>
+          <p:cNvPicPr>
+            <a:picLocks noChangeAspect="1" noChangeArrowheads="1"/>
+          </p:cNvPicPr>
+          <p:nvPr/>
+        </p:nvPicPr>
+        <p:blipFill>
+          <a:blip r:embed="rId5">
+            <a:extLst>
+              <a:ext uri="{28A0092B-C50C-407E-A947-70E740481C1C}">
+                <a14:useLocalDpi xmlns:a14="http://schemas.microsoft.com/office/drawing/2010/main" val="0"/>
+              </a:ext>
+            </a:extLst>
+          </a:blip>
+          <a:srcRect/>
+          <a:stretch>
+            <a:fillRect/>
+          </a:stretch>
+        </p:blipFill>
+        <p:spPr bwMode="auto">
+          <a:xfrm>
+            <a:off x="302279" y="1988840"/>
+            <a:ext cx="4242794" cy="2483983"/>
+          </a:xfrm>
+          <a:prstGeom prst="rect">
+            <a:avLst/>
+          </a:prstGeom>
+          <a:noFill/>
+          <a:ln>
+            <a:noFill/>
+          </a:ln>
+          <a:effectLst/>
+          <a:extLst>
+            <a:ext uri="{909E8E84-426E-40DD-AFC4-6F175D3DCCD1}">
+              <a14:hiddenFill xmlns:a14="http://schemas.microsoft.com/office/drawing/2010/main">
+                <a:solidFill>
+                  <a:schemeClr val="accent1"/>
+                </a:solidFill>
+              </a14:hiddenFill>
+            </a:ext>
+            <a:ext uri="{91240B29-F687-4F45-9708-019B960494DF}">
+              <a14:hiddenLine xmlns:a14="http://schemas.microsoft.com/office/drawing/2010/main" w="9525">
+                <a:solidFill>
+                  <a:schemeClr val="tx1"/>
+                </a:solidFill>
+                <a:miter lim="800000"/>
+                <a:headEnd/>
+                <a:tailEnd/>
+              </a14:hiddenLine>
+            </a:ext>
+            <a:ext uri="{AF507438-7753-43E0-B8FC-AC1667EBCBE1}">
+              <a14:hiddenEffects xmlns:a14="http://schemas.microsoft.com/office/drawing/2010/main">
+                <a:effectLst>
+                  <a:outerShdw dist="35921" dir="2700000" algn="ctr" rotWithShape="0">
+                    <a:schemeClr val="bg2"/>
+                  </a:outerShdw>
+                </a:effectLst>
+              </a14:hiddenEffects>
+            </a:ext>
+          </a:extLst>
+        </p:spPr>
+      </p:pic>
+      <p:pic>
+        <p:nvPicPr>
+          <p:cNvPr id="1027" name="Picture 3"/>
+          <p:cNvPicPr>
+            <a:picLocks noChangeAspect="1" noChangeArrowheads="1"/>
+          </p:cNvPicPr>
+          <p:nvPr/>
+        </p:nvPicPr>
+        <p:blipFill>
+          <a:blip r:embed="rId6">
+            <a:extLst>
+              <a:ext uri="{28A0092B-C50C-407E-A947-70E740481C1C}">
+                <a14:useLocalDpi xmlns:a14="http://schemas.microsoft.com/office/drawing/2010/main" val="0"/>
+              </a:ext>
+            </a:extLst>
+          </a:blip>
+          <a:srcRect/>
+          <a:stretch>
+            <a:fillRect/>
+          </a:stretch>
+        </p:blipFill>
+        <p:spPr bwMode="auto">
+          <a:xfrm>
+            <a:off x="4661616" y="4005064"/>
+            <a:ext cx="4233325" cy="2476198"/>
+          </a:xfrm>
+          <a:prstGeom prst="rect">
+            <a:avLst/>
+          </a:prstGeom>
+          <a:noFill/>
+          <a:ln>
+            <a:noFill/>
+          </a:ln>
+          <a:effectLst/>
+          <a:extLst>
+            <a:ext uri="{909E8E84-426E-40DD-AFC4-6F175D3DCCD1}">
+              <a14:hiddenFill xmlns:a14="http://schemas.microsoft.com/office/drawing/2010/main">
+                <a:solidFill>
+                  <a:schemeClr val="accent1"/>
+                </a:solidFill>
+              </a14:hiddenFill>
+            </a:ext>
+            <a:ext uri="{91240B29-F687-4F45-9708-019B960494DF}">
+              <a14:hiddenLine xmlns:a14="http://schemas.microsoft.com/office/drawing/2010/main" w="9525">
+                <a:solidFill>
+                  <a:schemeClr val="tx1"/>
+                </a:solidFill>
+                <a:miter lim="800000"/>
+                <a:headEnd/>
+                <a:tailEnd/>
+              </a14:hiddenLine>
+            </a:ext>
+            <a:ext uri="{AF507438-7753-43E0-B8FC-AC1667EBCBE1}">
+              <a14:hiddenEffects xmlns:a14="http://schemas.microsoft.com/office/drawing/2010/main">
+                <a:effectLst>
+                  <a:outerShdw dist="35921" dir="2700000" algn="ctr" rotWithShape="0">
+                    <a:schemeClr val="bg2"/>
+                  </a:outerShdw>
+                </a:effectLst>
+              </a14:hiddenEffects>
+            </a:ext>
+          </a:extLst>
+        </p:spPr>
+      </p:pic>
     </p:spTree>
     <p:extLst>
       <p:ext uri="{BB962C8B-B14F-4D97-AF65-F5344CB8AC3E}">

--- a/Presentació/Presentacióv2.pptx
+++ b/Presentació/Presentacióv2.pptx
@@ -213,7 +213,7 @@
           <a:p>
             <a:fld id="{5EA4E957-03F2-46D4-A2D6-2D3451FB1C3D}" type="datetimeFigureOut">
               <a:rPr lang="es-ES" smtClean="0"/>
-              <a:t>03/07/2017</a:t>
+              <a:t>04/07/2017</a:t>
             </a:fld>
             <a:endParaRPr lang="es-ES" dirty="0"/>
           </a:p>
@@ -629,6 +629,90 @@
           <a:bodyPr/>
           <a:lstStyle/>
           <a:p>
+            <a:endParaRPr lang="es-ES" dirty="0"/>
+          </a:p>
+        </p:txBody>
+      </p:sp>
+      <p:sp>
+        <p:nvSpPr>
+          <p:cNvPr id="4" name="3 Marcador de número de diapositiva"/>
+          <p:cNvSpPr>
+            <a:spLocks noGrp="1"/>
+          </p:cNvSpPr>
+          <p:nvPr>
+            <p:ph type="sldNum" sz="quarter" idx="10"/>
+          </p:nvPr>
+        </p:nvSpPr>
+        <p:spPr/>
+        <p:txBody>
+          <a:bodyPr/>
+          <a:lstStyle/>
+          <a:p>
+            <a:fld id="{FD59FDDF-B99F-442F-B40C-87431AF55291}" type="slidenum">
+              <a:rPr lang="es-ES" smtClean="0"/>
+              <a:t>17</a:t>
+            </a:fld>
+            <a:endParaRPr lang="es-ES" dirty="0"/>
+          </a:p>
+        </p:txBody>
+      </p:sp>
+    </p:spTree>
+    <p:extLst>
+      <p:ext uri="{BB962C8B-B14F-4D97-AF65-F5344CB8AC3E}">
+        <p14:creationId xmlns:p14="http://schemas.microsoft.com/office/powerpoint/2010/main" val="1023975468"/>
+      </p:ext>
+    </p:extLst>
+  </p:cSld>
+  <p:clrMapOvr>
+    <a:masterClrMapping/>
+  </p:clrMapOvr>
+</p:notes>
+</file>
+
+<file path=ppt/notesSlides/notesSlide11.xml><?xml version="1.0" encoding="utf-8"?>
+<p:notes xmlns:a="http://schemas.openxmlformats.org/drawingml/2006/main" xmlns:r="http://schemas.openxmlformats.org/officeDocument/2006/relationships" xmlns:p="http://schemas.openxmlformats.org/presentationml/2006/main">
+  <p:cSld>
+    <p:spTree>
+      <p:nvGrpSpPr>
+        <p:cNvPr id="1" name=""/>
+        <p:cNvGrpSpPr/>
+        <p:nvPr/>
+      </p:nvGrpSpPr>
+      <p:grpSpPr>
+        <a:xfrm>
+          <a:off x="0" y="0"/>
+          <a:ext cx="0" cy="0"/>
+          <a:chOff x="0" y="0"/>
+          <a:chExt cx="0" cy="0"/>
+        </a:xfrm>
+      </p:grpSpPr>
+      <p:sp>
+        <p:nvSpPr>
+          <p:cNvPr id="2" name="1 Marcador de imagen de diapositiva"/>
+          <p:cNvSpPr>
+            <a:spLocks noGrp="1" noRot="1" noChangeAspect="1"/>
+          </p:cNvSpPr>
+          <p:nvPr>
+            <p:ph type="sldImg"/>
+          </p:nvPr>
+        </p:nvSpPr>
+        <p:spPr/>
+      </p:sp>
+      <p:sp>
+        <p:nvSpPr>
+          <p:cNvPr id="3" name="2 Marcador de notas"/>
+          <p:cNvSpPr>
+            <a:spLocks noGrp="1"/>
+          </p:cNvSpPr>
+          <p:nvPr>
+            <p:ph type="body" idx="1"/>
+          </p:nvPr>
+        </p:nvSpPr>
+        <p:spPr/>
+        <p:txBody>
+          <a:bodyPr/>
+          <a:lstStyle/>
+          <a:p>
             <a:r>
               <a:rPr lang="ca-ES" noProof="0" dirty="0" smtClean="0"/>
               <a:t>Eh… Això sobra una</a:t>
@@ -677,7 +761,7 @@
 </p:notes>
 </file>
 
-<file path=ppt/notesSlides/notesSlide11.xml><?xml version="1.0" encoding="utf-8"?>
+<file path=ppt/notesSlides/notesSlide12.xml><?xml version="1.0" encoding="utf-8"?>
 <p:notes xmlns:a="http://schemas.openxmlformats.org/drawingml/2006/main" xmlns:r="http://schemas.openxmlformats.org/officeDocument/2006/relationships" xmlns:p="http://schemas.openxmlformats.org/presentationml/2006/main">
   <p:cSld>
     <p:spTree>
@@ -773,7 +857,7 @@
 </p:notes>
 </file>
 
-<file path=ppt/notesSlides/notesSlide12.xml><?xml version="1.0" encoding="utf-8"?>
+<file path=ppt/notesSlides/notesSlide13.xml><?xml version="1.0" encoding="utf-8"?>
 <p:notes xmlns:a="http://schemas.openxmlformats.org/drawingml/2006/main" xmlns:r="http://schemas.openxmlformats.org/officeDocument/2006/relationships" xmlns:p="http://schemas.openxmlformats.org/presentationml/2006/main">
   <p:cSld>
     <p:spTree>
@@ -881,7 +965,7 @@
 </p:notes>
 </file>
 
-<file path=ppt/notesSlides/notesSlide13.xml><?xml version="1.0" encoding="utf-8"?>
+<file path=ppt/notesSlides/notesSlide14.xml><?xml version="1.0" encoding="utf-8"?>
 <p:notes xmlns:a="http://schemas.openxmlformats.org/drawingml/2006/main" xmlns:r="http://schemas.openxmlformats.org/officeDocument/2006/relationships" xmlns:p="http://schemas.openxmlformats.org/presentationml/2006/main">
   <p:cSld>
     <p:spTree>
@@ -1692,7 +1776,7 @@
           <a:p>
             <a:fld id="{FD59FDDF-B99F-442F-B40C-87431AF55291}" type="slidenum">
               <a:rPr lang="es-ES" smtClean="0"/>
-              <a:t>17</a:t>
+              <a:t>16</a:t>
             </a:fld>
             <a:endParaRPr lang="es-ES" dirty="0"/>
           </a:p>
@@ -1701,7 +1785,7 @@
     </p:spTree>
     <p:extLst>
       <p:ext uri="{BB962C8B-B14F-4D97-AF65-F5344CB8AC3E}">
-        <p14:creationId xmlns:p14="http://schemas.microsoft.com/office/powerpoint/2010/main" val="1023975468"/>
+        <p14:creationId xmlns:p14="http://schemas.microsoft.com/office/powerpoint/2010/main" val="2496998247"/>
       </p:ext>
     </p:extLst>
   </p:cSld>
@@ -2369,7 +2453,7 @@
           <a:p>
             <a:fld id="{3BD59D99-EEA4-4089-BF26-C9E4D06201E8}" type="datetimeFigureOut">
               <a:rPr lang="es-ES" smtClean="0"/>
-              <a:t>03/07/2017</a:t>
+              <a:t>04/07/2017</a:t>
             </a:fld>
             <a:endParaRPr lang="es-ES" dirty="0"/>
           </a:p>
@@ -2552,7 +2636,7 @@
           <a:p>
             <a:fld id="{3BD59D99-EEA4-4089-BF26-C9E4D06201E8}" type="datetimeFigureOut">
               <a:rPr lang="es-ES" smtClean="0"/>
-              <a:t>03/07/2017</a:t>
+              <a:t>04/07/2017</a:t>
             </a:fld>
             <a:endParaRPr lang="es-ES" dirty="0"/>
           </a:p>
@@ -2727,7 +2811,7 @@
           <a:p>
             <a:fld id="{3BD59D99-EEA4-4089-BF26-C9E4D06201E8}" type="datetimeFigureOut">
               <a:rPr lang="es-ES" smtClean="0"/>
-              <a:t>03/07/2017</a:t>
+              <a:t>04/07/2017</a:t>
             </a:fld>
             <a:endParaRPr lang="es-ES" dirty="0"/>
           </a:p>
@@ -2892,7 +2976,7 @@
           <a:p>
             <a:fld id="{3BD59D99-EEA4-4089-BF26-C9E4D06201E8}" type="datetimeFigureOut">
               <a:rPr lang="es-ES" smtClean="0"/>
-              <a:t>03/07/2017</a:t>
+              <a:t>04/07/2017</a:t>
             </a:fld>
             <a:endParaRPr lang="es-ES" dirty="0"/>
           </a:p>
@@ -3113,7 +3197,7 @@
           <a:p>
             <a:fld id="{3BD59D99-EEA4-4089-BF26-C9E4D06201E8}" type="datetimeFigureOut">
               <a:rPr lang="es-ES" smtClean="0"/>
-              <a:t>03/07/2017</a:t>
+              <a:t>04/07/2017</a:t>
             </a:fld>
             <a:endParaRPr lang="es-ES" dirty="0"/>
           </a:p>
@@ -3372,7 +3456,7 @@
           <a:p>
             <a:fld id="{3BD59D99-EEA4-4089-BF26-C9E4D06201E8}" type="datetimeFigureOut">
               <a:rPr lang="es-ES" smtClean="0"/>
-              <a:t>03/07/2017</a:t>
+              <a:t>04/07/2017</a:t>
             </a:fld>
             <a:endParaRPr lang="es-ES" dirty="0"/>
           </a:p>
@@ -3776,7 +3860,7 @@
           <a:p>
             <a:fld id="{3BD59D99-EEA4-4089-BF26-C9E4D06201E8}" type="datetimeFigureOut">
               <a:rPr lang="es-ES" smtClean="0"/>
-              <a:t>03/07/2017</a:t>
+              <a:t>04/07/2017</a:t>
             </a:fld>
             <a:endParaRPr lang="es-ES" dirty="0"/>
           </a:p>
@@ -3907,7 +3991,7 @@
           <a:p>
             <a:fld id="{3BD59D99-EEA4-4089-BF26-C9E4D06201E8}" type="datetimeFigureOut">
               <a:rPr lang="es-ES" smtClean="0"/>
-              <a:t>03/07/2017</a:t>
+              <a:t>04/07/2017</a:t>
             </a:fld>
             <a:endParaRPr lang="es-ES" dirty="0"/>
           </a:p>
@@ -4007,7 +4091,7 @@
           <a:p>
             <a:fld id="{3BD59D99-EEA4-4089-BF26-C9E4D06201E8}" type="datetimeFigureOut">
               <a:rPr lang="es-ES" smtClean="0"/>
-              <a:t>03/07/2017</a:t>
+              <a:t>04/07/2017</a:t>
             </a:fld>
             <a:endParaRPr lang="es-ES" dirty="0"/>
           </a:p>
@@ -4252,7 +4336,7 @@
           <a:p>
             <a:fld id="{3BD59D99-EEA4-4089-BF26-C9E4D06201E8}" type="datetimeFigureOut">
               <a:rPr lang="es-ES" smtClean="0"/>
-              <a:t>03/07/2017</a:t>
+              <a:t>04/07/2017</a:t>
             </a:fld>
             <a:endParaRPr lang="es-ES" dirty="0"/>
           </a:p>
@@ -4496,7 +4580,7 @@
           <a:p>
             <a:fld id="{3BD59D99-EEA4-4089-BF26-C9E4D06201E8}" type="datetimeFigureOut">
               <a:rPr lang="es-ES" smtClean="0"/>
-              <a:t>03/07/2017</a:t>
+              <a:t>04/07/2017</a:t>
             </a:fld>
             <a:endParaRPr lang="es-ES" dirty="0"/>
           </a:p>
@@ -5320,7 +5404,7 @@
           <a:p>
             <a:fld id="{3BD59D99-EEA4-4089-BF26-C9E4D06201E8}" type="datetimeFigureOut">
               <a:rPr lang="es-ES" smtClean="0"/>
-              <a:t>03/07/2017</a:t>
+              <a:t>04/07/2017</a:t>
             </a:fld>
             <a:endParaRPr lang="es-ES" dirty="0"/>
           </a:p>
@@ -5919,6 +6003,70 @@
           <a:chExt cx="0" cy="0"/>
         </a:xfrm>
       </p:grpSpPr>
+      <p:pic>
+        <p:nvPicPr>
+          <p:cNvPr id="5" name="Picture 2"/>
+          <p:cNvPicPr>
+            <a:picLocks noChangeAspect="1" noChangeArrowheads="1"/>
+          </p:cNvPicPr>
+          <p:nvPr/>
+        </p:nvPicPr>
+        <p:blipFill>
+          <a:blip r:embed="rId2" cstate="print">
+            <a:extLst>
+              <a:ext uri="{28A0092B-C50C-407E-A947-70E740481C1C}">
+                <a14:useLocalDpi xmlns:a14="http://schemas.microsoft.com/office/drawing/2010/main" val="0"/>
+              </a:ext>
+            </a:extLst>
+          </a:blip>
+          <a:srcRect/>
+          <a:stretch>
+            <a:fillRect/>
+          </a:stretch>
+        </p:blipFill>
+        <p:spPr bwMode="auto">
+          <a:xfrm>
+            <a:off x="4114418" y="4797131"/>
+            <a:ext cx="758044" cy="749730"/>
+          </a:xfrm>
+          <a:prstGeom prst="rect">
+            <a:avLst/>
+          </a:prstGeom>
+          <a:noFill/>
+          <a:ln>
+            <a:noFill/>
+          </a:ln>
+          <a:effectLst/>
+          <a:extLst>
+            <a:ext uri="{909E8E84-426E-40DD-AFC4-6F175D3DCCD1}">
+              <a14:hiddenFill xmlns:a14="http://schemas.microsoft.com/office/drawing/2010/main">
+                <a:solidFill>
+                  <a:schemeClr val="accent1"/>
+                </a:solidFill>
+              </a14:hiddenFill>
+            </a:ext>
+            <a:ext uri="{91240B29-F687-4F45-9708-019B960494DF}">
+              <a14:hiddenLine xmlns:a14="http://schemas.microsoft.com/office/drawing/2010/main" w="9525">
+                <a:solidFill>
+                  <a:schemeClr val="tx1"/>
+                </a:solidFill>
+                <a:miter lim="800000"/>
+                <a:headEnd/>
+                <a:tailEnd/>
+              </a14:hiddenLine>
+            </a:ext>
+            <a:ext uri="{AF507438-7753-43E0-B8FC-AC1667EBCBE1}">
+              <a14:hiddenEffects xmlns:a14="http://schemas.microsoft.com/office/drawing/2010/main">
+                <a:effectLst>
+                  <a:outerShdw dist="35921" dir="2700000" algn="ctr" rotWithShape="0">
+                    <a:schemeClr val="bg2"/>
+                  </a:outerShdw>
+                </a:effectLst>
+              </a14:hiddenEffects>
+            </a:ext>
+          </a:extLst>
+        </p:spPr>
+      </p:pic>
       <mc:AlternateContent xmlns:mc="http://schemas.openxmlformats.org/markup-compatibility/2006" xmlns:a14="http://schemas.microsoft.com/office/drawing/2010/main">
         <mc:Choice Requires="a14">
           <p:sp>
@@ -6248,7 +6396,7 @@
             </p:nvSpPr>
             <p:spPr>
               <a:blipFill rotWithShape="1">
-                <a:blip r:embed="rId2"/>
+                <a:blip r:embed="rId3"/>
                 <a:stretch>
                   <a:fillRect t="-845"/>
                 </a:stretch>
@@ -6269,70 +6417,6 @@
           </p:sp>
         </mc:Fallback>
       </mc:AlternateContent>
-      <p:pic>
-        <p:nvPicPr>
-          <p:cNvPr id="1026" name="Picture 2"/>
-          <p:cNvPicPr>
-            <a:picLocks noChangeAspect="1" noChangeArrowheads="1"/>
-          </p:cNvPicPr>
-          <p:nvPr/>
-        </p:nvPicPr>
-        <p:blipFill>
-          <a:blip r:embed="rId3" cstate="print">
-            <a:extLst>
-              <a:ext uri="{28A0092B-C50C-407E-A947-70E740481C1C}">
-                <a14:useLocalDpi xmlns:a14="http://schemas.microsoft.com/office/drawing/2010/main" val="0"/>
-              </a:ext>
-            </a:extLst>
-          </a:blip>
-          <a:srcRect/>
-          <a:stretch>
-            <a:fillRect/>
-          </a:stretch>
-        </p:blipFill>
-        <p:spPr bwMode="auto">
-          <a:xfrm>
-            <a:off x="4026089" y="4802562"/>
-            <a:ext cx="833943" cy="738868"/>
-          </a:xfrm>
-          <a:prstGeom prst="rect">
-            <a:avLst/>
-          </a:prstGeom>
-          <a:noFill/>
-          <a:ln>
-            <a:noFill/>
-          </a:ln>
-          <a:effectLst/>
-          <a:extLst>
-            <a:ext uri="{909E8E84-426E-40DD-AFC4-6F175D3DCCD1}">
-              <a14:hiddenFill xmlns:a14="http://schemas.microsoft.com/office/drawing/2010/main">
-                <a:solidFill>
-                  <a:schemeClr val="accent1"/>
-                </a:solidFill>
-              </a14:hiddenFill>
-            </a:ext>
-            <a:ext uri="{91240B29-F687-4F45-9708-019B960494DF}">
-              <a14:hiddenLine xmlns:a14="http://schemas.microsoft.com/office/drawing/2010/main" w="9525">
-                <a:solidFill>
-                  <a:schemeClr val="tx1"/>
-                </a:solidFill>
-                <a:miter lim="800000"/>
-                <a:headEnd/>
-                <a:tailEnd/>
-              </a14:hiddenLine>
-            </a:ext>
-            <a:ext uri="{AF507438-7753-43E0-B8FC-AC1667EBCBE1}">
-              <a14:hiddenEffects xmlns:a14="http://schemas.microsoft.com/office/drawing/2010/main">
-                <a:effectLst>
-                  <a:outerShdw dist="35921" dir="2700000" algn="ctr" rotWithShape="0">
-                    <a:schemeClr val="bg2"/>
-                  </a:outerShdw>
-                </a:effectLst>
-              </a14:hiddenEffects>
-            </a:ext>
-          </a:extLst>
-        </p:spPr>
-      </p:pic>
       <p:sp>
         <p:nvSpPr>
           <p:cNvPr id="2" name="1 Título"/>
@@ -15086,198 +15170,6 @@
           </a:p>
         </p:txBody>
       </p:sp>
-      <p:pic>
-        <p:nvPicPr>
-          <p:cNvPr id="2050" name="Picture 2"/>
-          <p:cNvPicPr>
-            <a:picLocks noChangeAspect="1" noChangeArrowheads="1"/>
-          </p:cNvPicPr>
-          <p:nvPr/>
-        </p:nvPicPr>
-        <p:blipFill>
-          <a:blip r:embed="rId2">
-            <a:extLst>
-              <a:ext uri="{28A0092B-C50C-407E-A947-70E740481C1C}">
-                <a14:useLocalDpi xmlns:a14="http://schemas.microsoft.com/office/drawing/2010/main" val="0"/>
-              </a:ext>
-            </a:extLst>
-          </a:blip>
-          <a:srcRect/>
-          <a:stretch>
-            <a:fillRect/>
-          </a:stretch>
-        </p:blipFill>
-        <p:spPr bwMode="auto">
-          <a:xfrm>
-            <a:off x="95547" y="1700808"/>
-            <a:ext cx="3024336" cy="2974169"/>
-          </a:xfrm>
-          <a:prstGeom prst="rect">
-            <a:avLst/>
-          </a:prstGeom>
-          <a:noFill/>
-          <a:ln>
-            <a:noFill/>
-          </a:ln>
-          <a:effectLst/>
-          <a:extLst>
-            <a:ext uri="{909E8E84-426E-40DD-AFC4-6F175D3DCCD1}">
-              <a14:hiddenFill xmlns:a14="http://schemas.microsoft.com/office/drawing/2010/main">
-                <a:solidFill>
-                  <a:schemeClr val="accent1"/>
-                </a:solidFill>
-              </a14:hiddenFill>
-            </a:ext>
-            <a:ext uri="{91240B29-F687-4F45-9708-019B960494DF}">
-              <a14:hiddenLine xmlns:a14="http://schemas.microsoft.com/office/drawing/2010/main" w="9525">
-                <a:solidFill>
-                  <a:schemeClr val="tx1"/>
-                </a:solidFill>
-                <a:miter lim="800000"/>
-                <a:headEnd/>
-                <a:tailEnd/>
-              </a14:hiddenLine>
-            </a:ext>
-            <a:ext uri="{AF507438-7753-43E0-B8FC-AC1667EBCBE1}">
-              <a14:hiddenEffects xmlns:a14="http://schemas.microsoft.com/office/drawing/2010/main">
-                <a:effectLst>
-                  <a:outerShdw dist="35921" dir="2700000" algn="ctr" rotWithShape="0">
-                    <a:schemeClr val="bg2"/>
-                  </a:outerShdw>
-                </a:effectLst>
-              </a14:hiddenEffects>
-            </a:ext>
-          </a:extLst>
-        </p:spPr>
-      </p:pic>
-      <p:pic>
-        <p:nvPicPr>
-          <p:cNvPr id="2051" name="Picture 3"/>
-          <p:cNvPicPr>
-            <a:picLocks noChangeAspect="1" noChangeArrowheads="1"/>
-          </p:cNvPicPr>
-          <p:nvPr/>
-        </p:nvPicPr>
-        <p:blipFill>
-          <a:blip r:embed="rId3">
-            <a:extLst>
-              <a:ext uri="{28A0092B-C50C-407E-A947-70E740481C1C}">
-                <a14:useLocalDpi xmlns:a14="http://schemas.microsoft.com/office/drawing/2010/main" val="0"/>
-              </a:ext>
-            </a:extLst>
-          </a:blip>
-          <a:srcRect/>
-          <a:stretch>
-            <a:fillRect/>
-          </a:stretch>
-        </p:blipFill>
-        <p:spPr bwMode="auto">
-          <a:xfrm>
-            <a:off x="2987824" y="3884895"/>
-            <a:ext cx="2994074" cy="2907914"/>
-          </a:xfrm>
-          <a:prstGeom prst="rect">
-            <a:avLst/>
-          </a:prstGeom>
-          <a:noFill/>
-          <a:ln>
-            <a:noFill/>
-          </a:ln>
-          <a:effectLst/>
-          <a:extLst>
-            <a:ext uri="{909E8E84-426E-40DD-AFC4-6F175D3DCCD1}">
-              <a14:hiddenFill xmlns:a14="http://schemas.microsoft.com/office/drawing/2010/main">
-                <a:solidFill>
-                  <a:schemeClr val="accent1"/>
-                </a:solidFill>
-              </a14:hiddenFill>
-            </a:ext>
-            <a:ext uri="{91240B29-F687-4F45-9708-019B960494DF}">
-              <a14:hiddenLine xmlns:a14="http://schemas.microsoft.com/office/drawing/2010/main" w="9525">
-                <a:solidFill>
-                  <a:schemeClr val="tx1"/>
-                </a:solidFill>
-                <a:miter lim="800000"/>
-                <a:headEnd/>
-                <a:tailEnd/>
-              </a14:hiddenLine>
-            </a:ext>
-            <a:ext uri="{AF507438-7753-43E0-B8FC-AC1667EBCBE1}">
-              <a14:hiddenEffects xmlns:a14="http://schemas.microsoft.com/office/drawing/2010/main">
-                <a:effectLst>
-                  <a:outerShdw dist="35921" dir="2700000" algn="ctr" rotWithShape="0">
-                    <a:schemeClr val="bg2"/>
-                  </a:outerShdw>
-                </a:effectLst>
-              </a14:hiddenEffects>
-            </a:ext>
-          </a:extLst>
-        </p:spPr>
-      </p:pic>
-      <p:pic>
-        <p:nvPicPr>
-          <p:cNvPr id="2052" name="Picture 4"/>
-          <p:cNvPicPr>
-            <a:picLocks noChangeAspect="1" noChangeArrowheads="1"/>
-          </p:cNvPicPr>
-          <p:nvPr/>
-        </p:nvPicPr>
-        <p:blipFill>
-          <a:blip r:embed="rId4">
-            <a:extLst>
-              <a:ext uri="{28A0092B-C50C-407E-A947-70E740481C1C}">
-                <a14:useLocalDpi xmlns:a14="http://schemas.microsoft.com/office/drawing/2010/main" val="0"/>
-              </a:ext>
-            </a:extLst>
-          </a:blip>
-          <a:srcRect/>
-          <a:stretch>
-            <a:fillRect/>
-          </a:stretch>
-        </p:blipFill>
-        <p:spPr bwMode="auto">
-          <a:xfrm>
-            <a:off x="5981897" y="1743560"/>
-            <a:ext cx="2975279" cy="2931417"/>
-          </a:xfrm>
-          <a:prstGeom prst="rect">
-            <a:avLst/>
-          </a:prstGeom>
-          <a:noFill/>
-          <a:ln>
-            <a:noFill/>
-          </a:ln>
-          <a:effectLst/>
-          <a:extLst>
-            <a:ext uri="{909E8E84-426E-40DD-AFC4-6F175D3DCCD1}">
-              <a14:hiddenFill xmlns:a14="http://schemas.microsoft.com/office/drawing/2010/main">
-                <a:solidFill>
-                  <a:schemeClr val="accent1"/>
-                </a:solidFill>
-              </a14:hiddenFill>
-            </a:ext>
-            <a:ext uri="{91240B29-F687-4F45-9708-019B960494DF}">
-              <a14:hiddenLine xmlns:a14="http://schemas.microsoft.com/office/drawing/2010/main" w="9525">
-                <a:solidFill>
-                  <a:schemeClr val="tx1"/>
-                </a:solidFill>
-                <a:miter lim="800000"/>
-                <a:headEnd/>
-                <a:tailEnd/>
-              </a14:hiddenLine>
-            </a:ext>
-            <a:ext uri="{AF507438-7753-43E0-B8FC-AC1667EBCBE1}">
-              <a14:hiddenEffects xmlns:a14="http://schemas.microsoft.com/office/drawing/2010/main">
-                <a:effectLst>
-                  <a:outerShdw dist="35921" dir="2700000" algn="ctr" rotWithShape="0">
-                    <a:schemeClr val="bg2"/>
-                  </a:outerShdw>
-                </a:effectLst>
-              </a14:hiddenEffects>
-            </a:ext>
-          </a:extLst>
-        </p:spPr>
-      </p:pic>
       <p:sp>
         <p:nvSpPr>
           <p:cNvPr id="4" name="3 CuadroTexto"/>
@@ -15317,7 +15209,7 @@
         </p:nvSpPr>
         <p:spPr>
           <a:xfrm>
-            <a:off x="3729623" y="3433131"/>
+            <a:off x="3811085" y="3256008"/>
             <a:ext cx="1510475" cy="369332"/>
           </a:xfrm>
           <a:prstGeom prst="rect">
@@ -15409,6 +15301,198 @@
           </a:p>
         </p:txBody>
       </p:sp>
+      <p:pic>
+        <p:nvPicPr>
+          <p:cNvPr id="4098" name="Picture 2"/>
+          <p:cNvPicPr>
+            <a:picLocks noChangeAspect="1" noChangeArrowheads="1"/>
+          </p:cNvPicPr>
+          <p:nvPr/>
+        </p:nvPicPr>
+        <p:blipFill>
+          <a:blip r:embed="rId2">
+            <a:extLst>
+              <a:ext uri="{28A0092B-C50C-407E-A947-70E740481C1C}">
+                <a14:useLocalDpi xmlns:a14="http://schemas.microsoft.com/office/drawing/2010/main" val="0"/>
+              </a:ext>
+            </a:extLst>
+          </a:blip>
+          <a:srcRect/>
+          <a:stretch>
+            <a:fillRect/>
+          </a:stretch>
+        </p:blipFill>
+        <p:spPr bwMode="auto">
+          <a:xfrm>
+            <a:off x="140586" y="1743560"/>
+            <a:ext cx="2934258" cy="2845192"/>
+          </a:xfrm>
+          <a:prstGeom prst="rect">
+            <a:avLst/>
+          </a:prstGeom>
+          <a:noFill/>
+          <a:ln>
+            <a:noFill/>
+          </a:ln>
+          <a:effectLst/>
+          <a:extLst>
+            <a:ext uri="{909E8E84-426E-40DD-AFC4-6F175D3DCCD1}">
+              <a14:hiddenFill xmlns:a14="http://schemas.microsoft.com/office/drawing/2010/main">
+                <a:solidFill>
+                  <a:schemeClr val="accent1"/>
+                </a:solidFill>
+              </a14:hiddenFill>
+            </a:ext>
+            <a:ext uri="{91240B29-F687-4F45-9708-019B960494DF}">
+              <a14:hiddenLine xmlns:a14="http://schemas.microsoft.com/office/drawing/2010/main" w="9525">
+                <a:solidFill>
+                  <a:schemeClr val="tx1"/>
+                </a:solidFill>
+                <a:miter lim="800000"/>
+                <a:headEnd/>
+                <a:tailEnd/>
+              </a14:hiddenLine>
+            </a:ext>
+            <a:ext uri="{AF507438-7753-43E0-B8FC-AC1667EBCBE1}">
+              <a14:hiddenEffects xmlns:a14="http://schemas.microsoft.com/office/drawing/2010/main">
+                <a:effectLst>
+                  <a:outerShdw dist="35921" dir="2700000" algn="ctr" rotWithShape="0">
+                    <a:schemeClr val="bg2"/>
+                  </a:outerShdw>
+                </a:effectLst>
+              </a14:hiddenEffects>
+            </a:ext>
+          </a:extLst>
+        </p:spPr>
+      </p:pic>
+      <p:pic>
+        <p:nvPicPr>
+          <p:cNvPr id="4099" name="Picture 3"/>
+          <p:cNvPicPr>
+            <a:picLocks noChangeAspect="1" noChangeArrowheads="1"/>
+          </p:cNvPicPr>
+          <p:nvPr/>
+        </p:nvPicPr>
+        <p:blipFill>
+          <a:blip r:embed="rId3">
+            <a:extLst>
+              <a:ext uri="{28A0092B-C50C-407E-A947-70E740481C1C}">
+                <a14:useLocalDpi xmlns:a14="http://schemas.microsoft.com/office/drawing/2010/main" val="0"/>
+              </a:ext>
+            </a:extLst>
+          </a:blip>
+          <a:srcRect/>
+          <a:stretch>
+            <a:fillRect/>
+          </a:stretch>
+        </p:blipFill>
+        <p:spPr bwMode="auto">
+          <a:xfrm>
+            <a:off x="3101923" y="3802463"/>
+            <a:ext cx="2928800" cy="2908566"/>
+          </a:xfrm>
+          <a:prstGeom prst="rect">
+            <a:avLst/>
+          </a:prstGeom>
+          <a:noFill/>
+          <a:ln>
+            <a:noFill/>
+          </a:ln>
+          <a:effectLst/>
+          <a:extLst>
+            <a:ext uri="{909E8E84-426E-40DD-AFC4-6F175D3DCCD1}">
+              <a14:hiddenFill xmlns:a14="http://schemas.microsoft.com/office/drawing/2010/main">
+                <a:solidFill>
+                  <a:schemeClr val="accent1"/>
+                </a:solidFill>
+              </a14:hiddenFill>
+            </a:ext>
+            <a:ext uri="{91240B29-F687-4F45-9708-019B960494DF}">
+              <a14:hiddenLine xmlns:a14="http://schemas.microsoft.com/office/drawing/2010/main" w="9525">
+                <a:solidFill>
+                  <a:schemeClr val="tx1"/>
+                </a:solidFill>
+                <a:miter lim="800000"/>
+                <a:headEnd/>
+                <a:tailEnd/>
+              </a14:hiddenLine>
+            </a:ext>
+            <a:ext uri="{AF507438-7753-43E0-B8FC-AC1667EBCBE1}">
+              <a14:hiddenEffects xmlns:a14="http://schemas.microsoft.com/office/drawing/2010/main">
+                <a:effectLst>
+                  <a:outerShdw dist="35921" dir="2700000" algn="ctr" rotWithShape="0">
+                    <a:schemeClr val="bg2"/>
+                  </a:outerShdw>
+                </a:effectLst>
+              </a14:hiddenEffects>
+            </a:ext>
+          </a:extLst>
+        </p:spPr>
+      </p:pic>
+      <p:pic>
+        <p:nvPicPr>
+          <p:cNvPr id="4100" name="Picture 4"/>
+          <p:cNvPicPr>
+            <a:picLocks noChangeAspect="1" noChangeArrowheads="1"/>
+          </p:cNvPicPr>
+          <p:nvPr/>
+        </p:nvPicPr>
+        <p:blipFill>
+          <a:blip r:embed="rId4">
+            <a:extLst>
+              <a:ext uri="{28A0092B-C50C-407E-A947-70E740481C1C}">
+                <a14:useLocalDpi xmlns:a14="http://schemas.microsoft.com/office/drawing/2010/main" val="0"/>
+              </a:ext>
+            </a:extLst>
+          </a:blip>
+          <a:srcRect/>
+          <a:stretch>
+            <a:fillRect/>
+          </a:stretch>
+        </p:blipFill>
+        <p:spPr bwMode="auto">
+          <a:xfrm>
+            <a:off x="6030723" y="1758904"/>
+            <a:ext cx="2874416" cy="2874416"/>
+          </a:xfrm>
+          <a:prstGeom prst="rect">
+            <a:avLst/>
+          </a:prstGeom>
+          <a:noFill/>
+          <a:ln>
+            <a:noFill/>
+          </a:ln>
+          <a:effectLst/>
+          <a:extLst>
+            <a:ext uri="{909E8E84-426E-40DD-AFC4-6F175D3DCCD1}">
+              <a14:hiddenFill xmlns:a14="http://schemas.microsoft.com/office/drawing/2010/main">
+                <a:solidFill>
+                  <a:schemeClr val="accent1"/>
+                </a:solidFill>
+              </a14:hiddenFill>
+            </a:ext>
+            <a:ext uri="{91240B29-F687-4F45-9708-019B960494DF}">
+              <a14:hiddenLine xmlns:a14="http://schemas.microsoft.com/office/drawing/2010/main" w="9525">
+                <a:solidFill>
+                  <a:schemeClr val="tx1"/>
+                </a:solidFill>
+                <a:miter lim="800000"/>
+                <a:headEnd/>
+                <a:tailEnd/>
+              </a14:hiddenLine>
+            </a:ext>
+            <a:ext uri="{AF507438-7753-43E0-B8FC-AC1667EBCBE1}">
+              <a14:hiddenEffects xmlns:a14="http://schemas.microsoft.com/office/drawing/2010/main">
+                <a:effectLst>
+                  <a:outerShdw dist="35921" dir="2700000" algn="ctr" rotWithShape="0">
+                    <a:schemeClr val="bg2"/>
+                  </a:outerShdw>
+                </a:effectLst>
+              </a14:hiddenEffects>
+            </a:ext>
+          </a:extLst>
+        </p:spPr>
+      </p:pic>
     </p:spTree>
     <p:extLst>
       <p:ext uri="{BB962C8B-B14F-4D97-AF65-F5344CB8AC3E}">
@@ -16820,16 +16904,54 @@
           </a:p>
         </p:txBody>
       </p:sp>
+      <p:sp>
+        <p:nvSpPr>
+          <p:cNvPr id="5" name="4 CuadroTexto"/>
+          <p:cNvSpPr txBox="1"/>
+          <p:nvPr/>
+        </p:nvSpPr>
+        <p:spPr>
+          <a:xfrm>
+            <a:off x="4593186" y="0"/>
+            <a:ext cx="4427984" cy="369332"/>
+          </a:xfrm>
+          <a:prstGeom prst="rect">
+            <a:avLst/>
+          </a:prstGeom>
+          <a:noFill/>
+        </p:spPr>
+        <p:txBody>
+          <a:bodyPr wrap="square" rtlCol="0">
+            <a:spAutoFit/>
+          </a:bodyPr>
+          <a:lstStyle/>
+          <a:p>
+            <a:r>
+              <a:rPr lang="en-GB" dirty="0" smtClean="0">
+                <a:solidFill>
+                  <a:schemeClr val="bg1"/>
+                </a:solidFill>
+              </a:rPr>
+              <a:t>Basic cases – Differentially heated cavity</a:t>
+            </a:r>
+            <a:endParaRPr lang="en-GB" dirty="0">
+              <a:solidFill>
+                <a:schemeClr val="bg1"/>
+              </a:solidFill>
+            </a:endParaRPr>
+          </a:p>
+        </p:txBody>
+      </p:sp>
       <p:pic>
         <p:nvPicPr>
-          <p:cNvPr id="1026" name="Picture 2"/>
+          <p:cNvPr id="3074" name="Picture 2"/>
           <p:cNvPicPr>
             <a:picLocks noChangeAspect="1" noChangeArrowheads="1"/>
           </p:cNvPicPr>
           <p:nvPr/>
         </p:nvPicPr>
         <p:blipFill>
-          <a:blip r:embed="rId2">
+          <a:blip r:embed="rId3">
             <a:extLst>
               <a:ext uri="{28A0092B-C50C-407E-A947-70E740481C1C}">
                 <a14:useLocalDpi xmlns:a14="http://schemas.microsoft.com/office/drawing/2010/main" val="0"/>
@@ -16843,8 +16965,8 @@
         </p:blipFill>
         <p:spPr bwMode="auto">
           <a:xfrm>
-            <a:off x="145905" y="1725960"/>
-            <a:ext cx="4486275" cy="4848225"/>
+            <a:off x="110284" y="1844824"/>
+            <a:ext cx="4526986" cy="2330133"/>
           </a:xfrm>
           <a:prstGeom prst="rect">
             <a:avLst/>
@@ -16886,14 +17008,14 @@
       </p:pic>
       <p:pic>
         <p:nvPicPr>
-          <p:cNvPr id="1027" name="Picture 3"/>
+          <p:cNvPr id="3075" name="Picture 3"/>
           <p:cNvPicPr>
             <a:picLocks noChangeAspect="1" noChangeArrowheads="1"/>
           </p:cNvPicPr>
           <p:nvPr/>
         </p:nvPicPr>
         <p:blipFill>
-          <a:blip r:embed="rId3">
+          <a:blip r:embed="rId4">
             <a:extLst>
               <a:ext uri="{28A0092B-C50C-407E-A947-70E740481C1C}">
                 <a14:useLocalDpi xmlns:a14="http://schemas.microsoft.com/office/drawing/2010/main" val="0"/>
@@ -16907,8 +17029,8 @@
         </p:blipFill>
         <p:spPr bwMode="auto">
           <a:xfrm>
-            <a:off x="4637270" y="1725960"/>
-            <a:ext cx="4448175" cy="4619625"/>
+            <a:off x="37265" y="4308851"/>
+            <a:ext cx="4600005" cy="2367994"/>
           </a:xfrm>
           <a:prstGeom prst="rect">
             <a:avLst/>
@@ -16948,44 +17070,134 @@
           </a:extLst>
         </p:spPr>
       </p:pic>
-      <p:sp>
-        <p:nvSpPr>
-          <p:cNvPr id="5" name="4 CuadroTexto"/>
-          <p:cNvSpPr txBox="1"/>
+      <p:pic>
+        <p:nvPicPr>
+          <p:cNvPr id="3076" name="Picture 4"/>
+          <p:cNvPicPr>
+            <a:picLocks noChangeAspect="1" noChangeArrowheads="1"/>
+          </p:cNvPicPr>
           <p:nvPr/>
-        </p:nvSpPr>
-        <p:spPr>
+        </p:nvPicPr>
+        <p:blipFill>
+          <a:blip r:embed="rId5">
+            <a:extLst>
+              <a:ext uri="{28A0092B-C50C-407E-A947-70E740481C1C}">
+                <a14:useLocalDpi xmlns:a14="http://schemas.microsoft.com/office/drawing/2010/main" val="0"/>
+              </a:ext>
+            </a:extLst>
+          </a:blip>
+          <a:srcRect/>
+          <a:stretch>
+            <a:fillRect/>
+          </a:stretch>
+        </p:blipFill>
+        <p:spPr bwMode="auto">
           <a:xfrm>
-            <a:off x="4593186" y="0"/>
-            <a:ext cx="4427984" cy="369332"/>
+            <a:off x="4776808" y="1839119"/>
+            <a:ext cx="4169098" cy="2187571"/>
           </a:xfrm>
           <a:prstGeom prst="rect">
             <a:avLst/>
           </a:prstGeom>
           <a:noFill/>
+          <a:ln>
+            <a:noFill/>
+          </a:ln>
+          <a:effectLst/>
+          <a:extLst>
+            <a:ext uri="{909E8E84-426E-40DD-AFC4-6F175D3DCCD1}">
+              <a14:hiddenFill xmlns:a14="http://schemas.microsoft.com/office/drawing/2010/main">
+                <a:solidFill>
+                  <a:schemeClr val="accent1"/>
+                </a:solidFill>
+              </a14:hiddenFill>
+            </a:ext>
+            <a:ext uri="{91240B29-F687-4F45-9708-019B960494DF}">
+              <a14:hiddenLine xmlns:a14="http://schemas.microsoft.com/office/drawing/2010/main" w="9525">
+                <a:solidFill>
+                  <a:schemeClr val="tx1"/>
+                </a:solidFill>
+                <a:miter lim="800000"/>
+                <a:headEnd/>
+                <a:tailEnd/>
+              </a14:hiddenLine>
+            </a:ext>
+            <a:ext uri="{AF507438-7753-43E0-B8FC-AC1667EBCBE1}">
+              <a14:hiddenEffects xmlns:a14="http://schemas.microsoft.com/office/drawing/2010/main">
+                <a:effectLst>
+                  <a:outerShdw dist="35921" dir="2700000" algn="ctr" rotWithShape="0">
+                    <a:schemeClr val="bg2"/>
+                  </a:outerShdw>
+                </a:effectLst>
+              </a14:hiddenEffects>
+            </a:ext>
+          </a:extLst>
         </p:spPr>
-        <p:txBody>
-          <a:bodyPr wrap="square" rtlCol="0">
-            <a:spAutoFit/>
-          </a:bodyPr>
-          <a:lstStyle/>
-          <a:p>
-            <a:r>
-              <a:rPr lang="en-GB" dirty="0" smtClean="0">
+      </p:pic>
+      <p:pic>
+        <p:nvPicPr>
+          <p:cNvPr id="3077" name="Picture 5"/>
+          <p:cNvPicPr>
+            <a:picLocks noChangeAspect="1" noChangeArrowheads="1"/>
+          </p:cNvPicPr>
+          <p:nvPr/>
+        </p:nvPicPr>
+        <p:blipFill>
+          <a:blip r:embed="rId6">
+            <a:extLst>
+              <a:ext uri="{28A0092B-C50C-407E-A947-70E740481C1C}">
+                <a14:useLocalDpi xmlns:a14="http://schemas.microsoft.com/office/drawing/2010/main" val="0"/>
+              </a:ext>
+            </a:extLst>
+          </a:blip>
+          <a:srcRect/>
+          <a:stretch>
+            <a:fillRect/>
+          </a:stretch>
+        </p:blipFill>
+        <p:spPr bwMode="auto">
+          <a:xfrm>
+            <a:off x="4680142" y="4283789"/>
+            <a:ext cx="4362430" cy="2269919"/>
+          </a:xfrm>
+          <a:prstGeom prst="rect">
+            <a:avLst/>
+          </a:prstGeom>
+          <a:noFill/>
+          <a:ln>
+            <a:noFill/>
+          </a:ln>
+          <a:effectLst/>
+          <a:extLst>
+            <a:ext uri="{909E8E84-426E-40DD-AFC4-6F175D3DCCD1}">
+              <a14:hiddenFill xmlns:a14="http://schemas.microsoft.com/office/drawing/2010/main">
                 <a:solidFill>
-                  <a:schemeClr val="bg1"/>
+                  <a:schemeClr val="accent1"/>
                 </a:solidFill>
-              </a:rPr>
-              <a:t>Basic cases – Differentially heated cavity</a:t>
-            </a:r>
-            <a:endParaRPr lang="en-GB" dirty="0">
-              <a:solidFill>
-                <a:schemeClr val="bg1"/>
-              </a:solidFill>
-            </a:endParaRPr>
-          </a:p>
-        </p:txBody>
-      </p:sp>
+              </a14:hiddenFill>
+            </a:ext>
+            <a:ext uri="{91240B29-F687-4F45-9708-019B960494DF}">
+              <a14:hiddenLine xmlns:a14="http://schemas.microsoft.com/office/drawing/2010/main" w="9525">
+                <a:solidFill>
+                  <a:schemeClr val="tx1"/>
+                </a:solidFill>
+                <a:miter lim="800000"/>
+                <a:headEnd/>
+                <a:tailEnd/>
+              </a14:hiddenLine>
+            </a:ext>
+            <a:ext uri="{AF507438-7753-43E0-B8FC-AC1667EBCBE1}">
+              <a14:hiddenEffects xmlns:a14="http://schemas.microsoft.com/office/drawing/2010/main">
+                <a:effectLst>
+                  <a:outerShdw dist="35921" dir="2700000" algn="ctr" rotWithShape="0">
+                    <a:schemeClr val="bg2"/>
+                  </a:outerShdw>
+                </a:effectLst>
+              </a14:hiddenEffects>
+            </a:ext>
+          </a:extLst>
+        </p:spPr>
+      </p:pic>
     </p:spTree>
     <p:extLst>
       <p:ext uri="{BB962C8B-B14F-4D97-AF65-F5344CB8AC3E}">
@@ -18234,262 +18446,6 @@
           </a:p>
         </p:txBody>
       </p:sp>
-      <p:pic>
-        <p:nvPicPr>
-          <p:cNvPr id="2050" name="Picture 2"/>
-          <p:cNvPicPr>
-            <a:picLocks noChangeAspect="1" noChangeArrowheads="1"/>
-          </p:cNvPicPr>
-          <p:nvPr/>
-        </p:nvPicPr>
-        <p:blipFill>
-          <a:blip r:embed="rId2">
-            <a:extLst>
-              <a:ext uri="{28A0092B-C50C-407E-A947-70E740481C1C}">
-                <a14:useLocalDpi xmlns:a14="http://schemas.microsoft.com/office/drawing/2010/main" val="0"/>
-              </a:ext>
-            </a:extLst>
-          </a:blip>
-          <a:srcRect/>
-          <a:stretch>
-            <a:fillRect/>
-          </a:stretch>
-        </p:blipFill>
-        <p:spPr bwMode="auto">
-          <a:xfrm>
-            <a:off x="1043608" y="1484784"/>
-            <a:ext cx="2888754" cy="2140904"/>
-          </a:xfrm>
-          <a:prstGeom prst="rect">
-            <a:avLst/>
-          </a:prstGeom>
-          <a:noFill/>
-          <a:ln>
-            <a:noFill/>
-          </a:ln>
-          <a:effectLst/>
-          <a:extLst>
-            <a:ext uri="{909E8E84-426E-40DD-AFC4-6F175D3DCCD1}">
-              <a14:hiddenFill xmlns:a14="http://schemas.microsoft.com/office/drawing/2010/main">
-                <a:solidFill>
-                  <a:schemeClr val="accent1"/>
-                </a:solidFill>
-              </a14:hiddenFill>
-            </a:ext>
-            <a:ext uri="{91240B29-F687-4F45-9708-019B960494DF}">
-              <a14:hiddenLine xmlns:a14="http://schemas.microsoft.com/office/drawing/2010/main" w="9525">
-                <a:solidFill>
-                  <a:schemeClr val="tx1"/>
-                </a:solidFill>
-                <a:miter lim="800000"/>
-                <a:headEnd/>
-                <a:tailEnd/>
-              </a14:hiddenLine>
-            </a:ext>
-            <a:ext uri="{AF507438-7753-43E0-B8FC-AC1667EBCBE1}">
-              <a14:hiddenEffects xmlns:a14="http://schemas.microsoft.com/office/drawing/2010/main">
-                <a:effectLst>
-                  <a:outerShdw dist="35921" dir="2700000" algn="ctr" rotWithShape="0">
-                    <a:schemeClr val="bg2"/>
-                  </a:outerShdw>
-                </a:effectLst>
-              </a14:hiddenEffects>
-            </a:ext>
-          </a:extLst>
-        </p:spPr>
-      </p:pic>
-      <p:pic>
-        <p:nvPicPr>
-          <p:cNvPr id="2051" name="Picture 3"/>
-          <p:cNvPicPr>
-            <a:picLocks noChangeAspect="1" noChangeArrowheads="1"/>
-          </p:cNvPicPr>
-          <p:nvPr/>
-        </p:nvPicPr>
-        <p:blipFill>
-          <a:blip r:embed="rId3">
-            <a:extLst>
-              <a:ext uri="{28A0092B-C50C-407E-A947-70E740481C1C}">
-                <a14:useLocalDpi xmlns:a14="http://schemas.microsoft.com/office/drawing/2010/main" val="0"/>
-              </a:ext>
-            </a:extLst>
-          </a:blip>
-          <a:srcRect/>
-          <a:stretch>
-            <a:fillRect/>
-          </a:stretch>
-        </p:blipFill>
-        <p:spPr bwMode="auto">
-          <a:xfrm>
-            <a:off x="5148064" y="1442804"/>
-            <a:ext cx="2864260" cy="2165110"/>
-          </a:xfrm>
-          <a:prstGeom prst="rect">
-            <a:avLst/>
-          </a:prstGeom>
-          <a:noFill/>
-          <a:ln>
-            <a:noFill/>
-          </a:ln>
-          <a:effectLst/>
-          <a:extLst>
-            <a:ext uri="{909E8E84-426E-40DD-AFC4-6F175D3DCCD1}">
-              <a14:hiddenFill xmlns:a14="http://schemas.microsoft.com/office/drawing/2010/main">
-                <a:solidFill>
-                  <a:schemeClr val="accent1"/>
-                </a:solidFill>
-              </a14:hiddenFill>
-            </a:ext>
-            <a:ext uri="{91240B29-F687-4F45-9708-019B960494DF}">
-              <a14:hiddenLine xmlns:a14="http://schemas.microsoft.com/office/drawing/2010/main" w="9525">
-                <a:solidFill>
-                  <a:schemeClr val="tx1"/>
-                </a:solidFill>
-                <a:miter lim="800000"/>
-                <a:headEnd/>
-                <a:tailEnd/>
-              </a14:hiddenLine>
-            </a:ext>
-            <a:ext uri="{AF507438-7753-43E0-B8FC-AC1667EBCBE1}">
-              <a14:hiddenEffects xmlns:a14="http://schemas.microsoft.com/office/drawing/2010/main">
-                <a:effectLst>
-                  <a:outerShdw dist="35921" dir="2700000" algn="ctr" rotWithShape="0">
-                    <a:schemeClr val="bg2"/>
-                  </a:outerShdw>
-                </a:effectLst>
-              </a14:hiddenEffects>
-            </a:ext>
-          </a:extLst>
-        </p:spPr>
-      </p:pic>
-      <p:pic>
-        <p:nvPicPr>
-          <p:cNvPr id="2053" name="Picture 5"/>
-          <p:cNvPicPr>
-            <a:picLocks noChangeAspect="1" noChangeArrowheads="1"/>
-          </p:cNvPicPr>
-          <p:nvPr/>
-        </p:nvPicPr>
-        <p:blipFill>
-          <a:blip r:embed="rId4">
-            <a:extLst>
-              <a:ext uri="{28A0092B-C50C-407E-A947-70E740481C1C}">
-                <a14:useLocalDpi xmlns:a14="http://schemas.microsoft.com/office/drawing/2010/main" val="0"/>
-              </a:ext>
-            </a:extLst>
-          </a:blip>
-          <a:srcRect/>
-          <a:stretch>
-            <a:fillRect/>
-          </a:stretch>
-        </p:blipFill>
-        <p:spPr bwMode="auto">
-          <a:xfrm>
-            <a:off x="957311" y="4077072"/>
-            <a:ext cx="3061345" cy="2273049"/>
-          </a:xfrm>
-          <a:prstGeom prst="rect">
-            <a:avLst/>
-          </a:prstGeom>
-          <a:noFill/>
-          <a:ln>
-            <a:noFill/>
-          </a:ln>
-          <a:effectLst/>
-          <a:extLst>
-            <a:ext uri="{909E8E84-426E-40DD-AFC4-6F175D3DCCD1}">
-              <a14:hiddenFill xmlns:a14="http://schemas.microsoft.com/office/drawing/2010/main">
-                <a:solidFill>
-                  <a:schemeClr val="accent1"/>
-                </a:solidFill>
-              </a14:hiddenFill>
-            </a:ext>
-            <a:ext uri="{91240B29-F687-4F45-9708-019B960494DF}">
-              <a14:hiddenLine xmlns:a14="http://schemas.microsoft.com/office/drawing/2010/main" w="9525">
-                <a:solidFill>
-                  <a:schemeClr val="tx1"/>
-                </a:solidFill>
-                <a:miter lim="800000"/>
-                <a:headEnd/>
-                <a:tailEnd/>
-              </a14:hiddenLine>
-            </a:ext>
-            <a:ext uri="{AF507438-7753-43E0-B8FC-AC1667EBCBE1}">
-              <a14:hiddenEffects xmlns:a14="http://schemas.microsoft.com/office/drawing/2010/main">
-                <a:effectLst>
-                  <a:outerShdw dist="35921" dir="2700000" algn="ctr" rotWithShape="0">
-                    <a:schemeClr val="bg2"/>
-                  </a:outerShdw>
-                </a:effectLst>
-              </a14:hiddenEffects>
-            </a:ext>
-          </a:extLst>
-        </p:spPr>
-      </p:pic>
-      <p:pic>
-        <p:nvPicPr>
-          <p:cNvPr id="2055" name="Picture 7"/>
-          <p:cNvPicPr>
-            <a:picLocks noChangeAspect="1" noChangeArrowheads="1"/>
-          </p:cNvPicPr>
-          <p:nvPr/>
-        </p:nvPicPr>
-        <p:blipFill>
-          <a:blip r:embed="rId5">
-            <a:extLst>
-              <a:ext uri="{28A0092B-C50C-407E-A947-70E740481C1C}">
-                <a14:useLocalDpi xmlns:a14="http://schemas.microsoft.com/office/drawing/2010/main" val="0"/>
-              </a:ext>
-            </a:extLst>
-          </a:blip>
-          <a:srcRect/>
-          <a:stretch>
-            <a:fillRect/>
-          </a:stretch>
-        </p:blipFill>
-        <p:spPr bwMode="auto">
-          <a:xfrm>
-            <a:off x="4967280" y="4077072"/>
-            <a:ext cx="3252553" cy="2273049"/>
-          </a:xfrm>
-          <a:prstGeom prst="rect">
-            <a:avLst/>
-          </a:prstGeom>
-          <a:noFill/>
-          <a:ln>
-            <a:noFill/>
-          </a:ln>
-          <a:effectLst/>
-          <a:extLst>
-            <a:ext uri="{909E8E84-426E-40DD-AFC4-6F175D3DCCD1}">
-              <a14:hiddenFill xmlns:a14="http://schemas.microsoft.com/office/drawing/2010/main">
-                <a:solidFill>
-                  <a:schemeClr val="accent1"/>
-                </a:solidFill>
-              </a14:hiddenFill>
-            </a:ext>
-            <a:ext uri="{91240B29-F687-4F45-9708-019B960494DF}">
-              <a14:hiddenLine xmlns:a14="http://schemas.microsoft.com/office/drawing/2010/main" w="9525">
-                <a:solidFill>
-                  <a:schemeClr val="tx1"/>
-                </a:solidFill>
-                <a:miter lim="800000"/>
-                <a:headEnd/>
-                <a:tailEnd/>
-              </a14:hiddenLine>
-            </a:ext>
-            <a:ext uri="{AF507438-7753-43E0-B8FC-AC1667EBCBE1}">
-              <a14:hiddenEffects xmlns:a14="http://schemas.microsoft.com/office/drawing/2010/main">
-                <a:effectLst>
-                  <a:outerShdw dist="35921" dir="2700000" algn="ctr" rotWithShape="0">
-                    <a:schemeClr val="bg2"/>
-                  </a:outerShdw>
-                </a:effectLst>
-              </a14:hiddenEffects>
-            </a:ext>
-          </a:extLst>
-        </p:spPr>
-      </p:pic>
       <p:sp>
         <p:nvSpPr>
           <p:cNvPr id="4" name="3 CuadroTexto"/>
@@ -18652,6 +18608,262 @@
           </a:p>
         </p:txBody>
       </p:sp>
+      <p:pic>
+        <p:nvPicPr>
+          <p:cNvPr id="1026" name="Picture 2"/>
+          <p:cNvPicPr>
+            <a:picLocks noChangeAspect="1" noChangeArrowheads="1"/>
+          </p:cNvPicPr>
+          <p:nvPr/>
+        </p:nvPicPr>
+        <p:blipFill>
+          <a:blip r:embed="rId2" cstate="print">
+            <a:extLst>
+              <a:ext uri="{28A0092B-C50C-407E-A947-70E740481C1C}">
+                <a14:useLocalDpi xmlns:a14="http://schemas.microsoft.com/office/drawing/2010/main" val="0"/>
+              </a:ext>
+            </a:extLst>
+          </a:blip>
+          <a:srcRect/>
+          <a:stretch>
+            <a:fillRect/>
+          </a:stretch>
+        </p:blipFill>
+        <p:spPr bwMode="auto">
+          <a:xfrm>
+            <a:off x="1115616" y="1547980"/>
+            <a:ext cx="2929692" cy="2092637"/>
+          </a:xfrm>
+          <a:prstGeom prst="rect">
+            <a:avLst/>
+          </a:prstGeom>
+          <a:noFill/>
+          <a:ln>
+            <a:noFill/>
+          </a:ln>
+          <a:effectLst/>
+          <a:extLst>
+            <a:ext uri="{909E8E84-426E-40DD-AFC4-6F175D3DCCD1}">
+              <a14:hiddenFill xmlns:a14="http://schemas.microsoft.com/office/drawing/2010/main">
+                <a:solidFill>
+                  <a:schemeClr val="accent1"/>
+                </a:solidFill>
+              </a14:hiddenFill>
+            </a:ext>
+            <a:ext uri="{91240B29-F687-4F45-9708-019B960494DF}">
+              <a14:hiddenLine xmlns:a14="http://schemas.microsoft.com/office/drawing/2010/main" w="9525">
+                <a:solidFill>
+                  <a:schemeClr val="tx1"/>
+                </a:solidFill>
+                <a:miter lim="800000"/>
+                <a:headEnd/>
+                <a:tailEnd/>
+              </a14:hiddenLine>
+            </a:ext>
+            <a:ext uri="{AF507438-7753-43E0-B8FC-AC1667EBCBE1}">
+              <a14:hiddenEffects xmlns:a14="http://schemas.microsoft.com/office/drawing/2010/main">
+                <a:effectLst>
+                  <a:outerShdw dist="35921" dir="2700000" algn="ctr" rotWithShape="0">
+                    <a:schemeClr val="bg2"/>
+                  </a:outerShdw>
+                </a:effectLst>
+              </a14:hiddenEffects>
+            </a:ext>
+          </a:extLst>
+        </p:spPr>
+      </p:pic>
+      <p:pic>
+        <p:nvPicPr>
+          <p:cNvPr id="1027" name="Picture 3"/>
+          <p:cNvPicPr>
+            <a:picLocks noChangeAspect="1" noChangeArrowheads="1"/>
+          </p:cNvPicPr>
+          <p:nvPr/>
+        </p:nvPicPr>
+        <p:blipFill>
+          <a:blip r:embed="rId3" cstate="print">
+            <a:extLst>
+              <a:ext uri="{28A0092B-C50C-407E-A947-70E740481C1C}">
+                <a14:useLocalDpi xmlns:a14="http://schemas.microsoft.com/office/drawing/2010/main" val="0"/>
+              </a:ext>
+            </a:extLst>
+          </a:blip>
+          <a:srcRect/>
+          <a:stretch>
+            <a:fillRect/>
+          </a:stretch>
+        </p:blipFill>
+        <p:spPr bwMode="auto">
+          <a:xfrm>
+            <a:off x="5142870" y="1533048"/>
+            <a:ext cx="2874648" cy="2107569"/>
+          </a:xfrm>
+          <a:prstGeom prst="rect">
+            <a:avLst/>
+          </a:prstGeom>
+          <a:noFill/>
+          <a:ln>
+            <a:noFill/>
+          </a:ln>
+          <a:effectLst/>
+          <a:extLst>
+            <a:ext uri="{909E8E84-426E-40DD-AFC4-6F175D3DCCD1}">
+              <a14:hiddenFill xmlns:a14="http://schemas.microsoft.com/office/drawing/2010/main">
+                <a:solidFill>
+                  <a:schemeClr val="accent1"/>
+                </a:solidFill>
+              </a14:hiddenFill>
+            </a:ext>
+            <a:ext uri="{91240B29-F687-4F45-9708-019B960494DF}">
+              <a14:hiddenLine xmlns:a14="http://schemas.microsoft.com/office/drawing/2010/main" w="9525">
+                <a:solidFill>
+                  <a:schemeClr val="tx1"/>
+                </a:solidFill>
+                <a:miter lim="800000"/>
+                <a:headEnd/>
+                <a:tailEnd/>
+              </a14:hiddenLine>
+            </a:ext>
+            <a:ext uri="{AF507438-7753-43E0-B8FC-AC1667EBCBE1}">
+              <a14:hiddenEffects xmlns:a14="http://schemas.microsoft.com/office/drawing/2010/main">
+                <a:effectLst>
+                  <a:outerShdw dist="35921" dir="2700000" algn="ctr" rotWithShape="0">
+                    <a:schemeClr val="bg2"/>
+                  </a:outerShdw>
+                </a:effectLst>
+              </a14:hiddenEffects>
+            </a:ext>
+          </a:extLst>
+        </p:spPr>
+      </p:pic>
+      <p:pic>
+        <p:nvPicPr>
+          <p:cNvPr id="1028" name="Picture 4"/>
+          <p:cNvPicPr>
+            <a:picLocks noChangeAspect="1" noChangeArrowheads="1"/>
+          </p:cNvPicPr>
+          <p:nvPr/>
+        </p:nvPicPr>
+        <p:blipFill>
+          <a:blip r:embed="rId4" cstate="print">
+            <a:extLst>
+              <a:ext uri="{28A0092B-C50C-407E-A947-70E740481C1C}">
+                <a14:useLocalDpi xmlns:a14="http://schemas.microsoft.com/office/drawing/2010/main" val="0"/>
+              </a:ext>
+            </a:extLst>
+          </a:blip>
+          <a:srcRect/>
+          <a:stretch>
+            <a:fillRect/>
+          </a:stretch>
+        </p:blipFill>
+        <p:spPr bwMode="auto">
+          <a:xfrm>
+            <a:off x="1051817" y="4174336"/>
+            <a:ext cx="2872111" cy="2133898"/>
+          </a:xfrm>
+          <a:prstGeom prst="rect">
+            <a:avLst/>
+          </a:prstGeom>
+          <a:noFill/>
+          <a:ln>
+            <a:noFill/>
+          </a:ln>
+          <a:effectLst/>
+          <a:extLst>
+            <a:ext uri="{909E8E84-426E-40DD-AFC4-6F175D3DCCD1}">
+              <a14:hiddenFill xmlns:a14="http://schemas.microsoft.com/office/drawing/2010/main">
+                <a:solidFill>
+                  <a:schemeClr val="accent1"/>
+                </a:solidFill>
+              </a14:hiddenFill>
+            </a:ext>
+            <a:ext uri="{91240B29-F687-4F45-9708-019B960494DF}">
+              <a14:hiddenLine xmlns:a14="http://schemas.microsoft.com/office/drawing/2010/main" w="9525">
+                <a:solidFill>
+                  <a:schemeClr val="tx1"/>
+                </a:solidFill>
+                <a:miter lim="800000"/>
+                <a:headEnd/>
+                <a:tailEnd/>
+              </a14:hiddenLine>
+            </a:ext>
+            <a:ext uri="{AF507438-7753-43E0-B8FC-AC1667EBCBE1}">
+              <a14:hiddenEffects xmlns:a14="http://schemas.microsoft.com/office/drawing/2010/main">
+                <a:effectLst>
+                  <a:outerShdw dist="35921" dir="2700000" algn="ctr" rotWithShape="0">
+                    <a:schemeClr val="bg2"/>
+                  </a:outerShdw>
+                </a:effectLst>
+              </a14:hiddenEffects>
+            </a:ext>
+          </a:extLst>
+        </p:spPr>
+      </p:pic>
+      <p:pic>
+        <p:nvPicPr>
+          <p:cNvPr id="1029" name="Picture 5"/>
+          <p:cNvPicPr>
+            <a:picLocks noChangeAspect="1" noChangeArrowheads="1"/>
+          </p:cNvPicPr>
+          <p:nvPr/>
+        </p:nvPicPr>
+        <p:blipFill>
+          <a:blip r:embed="rId5" cstate="print">
+            <a:extLst>
+              <a:ext uri="{28A0092B-C50C-407E-A947-70E740481C1C}">
+                <a14:useLocalDpi xmlns:a14="http://schemas.microsoft.com/office/drawing/2010/main" val="0"/>
+              </a:ext>
+            </a:extLst>
+          </a:blip>
+          <a:srcRect/>
+          <a:stretch>
+            <a:fillRect/>
+          </a:stretch>
+        </p:blipFill>
+        <p:spPr bwMode="auto">
+          <a:xfrm>
+            <a:off x="5061591" y="4176217"/>
+            <a:ext cx="3158242" cy="2134562"/>
+          </a:xfrm>
+          <a:prstGeom prst="rect">
+            <a:avLst/>
+          </a:prstGeom>
+          <a:noFill/>
+          <a:ln>
+            <a:noFill/>
+          </a:ln>
+          <a:effectLst/>
+          <a:extLst>
+            <a:ext uri="{909E8E84-426E-40DD-AFC4-6F175D3DCCD1}">
+              <a14:hiddenFill xmlns:a14="http://schemas.microsoft.com/office/drawing/2010/main">
+                <a:solidFill>
+                  <a:schemeClr val="accent1"/>
+                </a:solidFill>
+              </a14:hiddenFill>
+            </a:ext>
+            <a:ext uri="{91240B29-F687-4F45-9708-019B960494DF}">
+              <a14:hiddenLine xmlns:a14="http://schemas.microsoft.com/office/drawing/2010/main" w="9525">
+                <a:solidFill>
+                  <a:schemeClr val="tx1"/>
+                </a:solidFill>
+                <a:miter lim="800000"/>
+                <a:headEnd/>
+                <a:tailEnd/>
+              </a14:hiddenLine>
+            </a:ext>
+            <a:ext uri="{AF507438-7753-43E0-B8FC-AC1667EBCBE1}">
+              <a14:hiddenEffects xmlns:a14="http://schemas.microsoft.com/office/drawing/2010/main">
+                <a:effectLst>
+                  <a:outerShdw dist="35921" dir="2700000" algn="ctr" rotWithShape="0">
+                    <a:schemeClr val="bg2"/>
+                  </a:outerShdw>
+                </a:effectLst>
+              </a14:hiddenEffects>
+            </a:ext>
+          </a:extLst>
+        </p:spPr>
+      </p:pic>
     </p:spTree>
     <p:extLst>
       <p:ext uri="{BB962C8B-B14F-4D97-AF65-F5344CB8AC3E}">
@@ -19051,9 +19263,47 @@
           </p:sp>
         </mc:Fallback>
       </mc:AlternateContent>
+      <p:sp>
+        <p:nvSpPr>
+          <p:cNvPr id="6" name="5 CuadroTexto"/>
+          <p:cNvSpPr txBox="1"/>
+          <p:nvPr/>
+        </p:nvSpPr>
+        <p:spPr>
+          <a:xfrm>
+            <a:off x="5724128" y="0"/>
+            <a:ext cx="3219174" cy="369332"/>
+          </a:xfrm>
+          <a:prstGeom prst="rect">
+            <a:avLst/>
+          </a:prstGeom>
+          <a:noFill/>
+        </p:spPr>
+        <p:txBody>
+          <a:bodyPr wrap="square" rtlCol="0">
+            <a:spAutoFit/>
+          </a:bodyPr>
+          <a:lstStyle/>
+          <a:p>
+            <a:r>
+              <a:rPr lang="en-GB" dirty="0" smtClean="0">
+                <a:solidFill>
+                  <a:schemeClr val="bg1"/>
+                </a:solidFill>
+              </a:rPr>
+              <a:t>Application – Square cylinder</a:t>
+            </a:r>
+            <a:endParaRPr lang="en-GB" dirty="0">
+              <a:solidFill>
+                <a:schemeClr val="bg1"/>
+              </a:solidFill>
+            </a:endParaRPr>
+          </a:p>
+        </p:txBody>
+      </p:sp>
       <p:pic>
         <p:nvPicPr>
-          <p:cNvPr id="3074" name="Picture 2"/>
+          <p:cNvPr id="2050" name="Picture 2"/>
           <p:cNvPicPr>
             <a:picLocks noChangeAspect="1" noChangeArrowheads="1"/>
           </p:cNvPicPr>
@@ -19074,8 +19324,8 @@
         </p:blipFill>
         <p:spPr bwMode="auto">
           <a:xfrm>
-            <a:off x="4499992" y="2132856"/>
-            <a:ext cx="3870145" cy="3766195"/>
+            <a:off x="1259632" y="4324364"/>
+            <a:ext cx="2448272" cy="1579135"/>
           </a:xfrm>
           <a:prstGeom prst="rect">
             <a:avLst/>
@@ -19117,7 +19367,7 @@
       </p:pic>
       <p:pic>
         <p:nvPicPr>
-          <p:cNvPr id="3075" name="Picture 3"/>
+          <p:cNvPr id="2051" name="Picture 3"/>
           <p:cNvPicPr>
             <a:picLocks noChangeAspect="1" noChangeArrowheads="1"/>
           </p:cNvPicPr>
@@ -19138,8 +19388,8 @@
         </p:blipFill>
         <p:spPr bwMode="auto">
           <a:xfrm>
-            <a:off x="1331640" y="4202980"/>
-            <a:ext cx="2266950" cy="1476375"/>
+            <a:off x="4355976" y="2204864"/>
+            <a:ext cx="4227286" cy="3892319"/>
           </a:xfrm>
           <a:prstGeom prst="rect">
             <a:avLst/>
@@ -19179,44 +19429,6 @@
           </a:extLst>
         </p:spPr>
       </p:pic>
-      <p:sp>
-        <p:nvSpPr>
-          <p:cNvPr id="6" name="5 CuadroTexto"/>
-          <p:cNvSpPr txBox="1"/>
-          <p:nvPr/>
-        </p:nvSpPr>
-        <p:spPr>
-          <a:xfrm>
-            <a:off x="5724128" y="0"/>
-            <a:ext cx="3219174" cy="369332"/>
-          </a:xfrm>
-          <a:prstGeom prst="rect">
-            <a:avLst/>
-          </a:prstGeom>
-          <a:noFill/>
-        </p:spPr>
-        <p:txBody>
-          <a:bodyPr wrap="square" rtlCol="0">
-            <a:spAutoFit/>
-          </a:bodyPr>
-          <a:lstStyle/>
-          <a:p>
-            <a:r>
-              <a:rPr lang="en-GB" dirty="0" smtClean="0">
-                <a:solidFill>
-                  <a:schemeClr val="bg1"/>
-                </a:solidFill>
-              </a:rPr>
-              <a:t>Application – Square cylinder</a:t>
-            </a:r>
-            <a:endParaRPr lang="en-GB" dirty="0">
-              <a:solidFill>
-                <a:schemeClr val="bg1"/>
-              </a:solidFill>
-            </a:endParaRPr>
-          </a:p>
-        </p:txBody>
-      </p:sp>
     </p:spTree>
     <p:extLst>
       <p:ext uri="{BB962C8B-B14F-4D97-AF65-F5344CB8AC3E}">
